--- a/media-source/analytics-personas-scenarios-tools.pptx
+++ b/media-source/analytics-personas-scenarios-tools.pptx
@@ -106,6 +106,11 @@
       </a:defRPr>
     </a:lvl9pPr>
   </p:defaultTextStyle>
+  <p:extLst>
+    <p:ext uri="{EFAFB233-063F-42B5-8137-9DF3F51BA10A}">
+      <p15:sldGuideLst xmlns:p15="http://schemas.microsoft.com/office/powerpoint/2012/main"/>
+    </p:ext>
+  </p:extLst>
 </p:presentation>
 </file>
 
@@ -153,7 +158,7 @@
           <a:p>
             <a:fld id="{E9440413-0B98-49EB-BF5C-28CE238C7A67}" type="datetimeFigureOut">
               <a:rPr lang="en-US" smtClean="0"/>
-              <a:t>2/13/2024</a:t>
+              <a:t>2/14/2024</a:t>
             </a:fld>
             <a:endParaRPr lang="en-US"/>
           </a:p>
@@ -425,7 +430,7 @@
           <a:p>
             <a:fld id="{E9440413-0B98-49EB-BF5C-28CE238C7A67}" type="datetimeFigureOut">
               <a:rPr lang="en-US" smtClean="0"/>
-              <a:t>2/13/2024</a:t>
+              <a:t>2/14/2024</a:t>
             </a:fld>
             <a:endParaRPr lang="en-US"/>
           </a:p>
@@ -811,7 +816,7 @@
           <a:p>
             <a:fld id="{E9440413-0B98-49EB-BF5C-28CE238C7A67}" type="datetimeFigureOut">
               <a:rPr lang="en-US" smtClean="0"/>
-              <a:t>2/13/2024</a:t>
+              <a:t>2/14/2024</a:t>
             </a:fld>
             <a:endParaRPr lang="en-US"/>
           </a:p>
@@ -1074,7 +1079,7 @@
           <a:p>
             <a:fld id="{E9440413-0B98-49EB-BF5C-28CE238C7A67}" type="datetimeFigureOut">
               <a:rPr lang="en-US" smtClean="0"/>
-              <a:t>2/13/2024</a:t>
+              <a:t>2/14/2024</a:t>
             </a:fld>
             <a:endParaRPr lang="en-US"/>
           </a:p>
@@ -1330,7 +1335,7 @@
           <a:p>
             <a:fld id="{E9440413-0B98-49EB-BF5C-28CE238C7A67}" type="datetimeFigureOut">
               <a:rPr lang="en-US" smtClean="0"/>
-              <a:t>2/13/2024</a:t>
+              <a:t>2/14/2024</a:t>
             </a:fld>
             <a:endParaRPr lang="en-US"/>
           </a:p>
@@ -1593,7 +1598,7 @@
           <a:p>
             <a:fld id="{E9440413-0B98-49EB-BF5C-28CE238C7A67}" type="datetimeFigureOut">
               <a:rPr lang="en-US" smtClean="0"/>
-              <a:t>2/13/2024</a:t>
+              <a:t>2/14/2024</a:t>
             </a:fld>
             <a:endParaRPr lang="en-US"/>
           </a:p>
@@ -1856,7 +1861,7 @@
           <a:p>
             <a:fld id="{E9440413-0B98-49EB-BF5C-28CE238C7A67}" type="datetimeFigureOut">
               <a:rPr lang="en-US" smtClean="0"/>
-              <a:t>2/13/2024</a:t>
+              <a:t>2/14/2024</a:t>
             </a:fld>
             <a:endParaRPr lang="en-US"/>
           </a:p>
@@ -2113,7 +2118,7 @@
           <a:p>
             <a:fld id="{E9440413-0B98-49EB-BF5C-28CE238C7A67}" type="datetimeFigureOut">
               <a:rPr lang="en-US" smtClean="0"/>
-              <a:t>2/13/2024</a:t>
+              <a:t>2/14/2024</a:t>
             </a:fld>
             <a:endParaRPr lang="en-US"/>
           </a:p>
@@ -2485,7 +2490,7 @@
           <a:p>
             <a:fld id="{E9440413-0B98-49EB-BF5C-28CE238C7A67}" type="datetimeFigureOut">
               <a:rPr lang="en-US" smtClean="0"/>
-              <a:t>2/13/2024</a:t>
+              <a:t>2/14/2024</a:t>
             </a:fld>
             <a:endParaRPr lang="en-US"/>
           </a:p>
@@ -2900,7 +2905,7 @@
           <a:p>
             <a:fld id="{E9440413-0B98-49EB-BF5C-28CE238C7A67}" type="datetimeFigureOut">
               <a:rPr lang="en-US" smtClean="0"/>
-              <a:t>2/13/2024</a:t>
+              <a:t>2/14/2024</a:t>
             </a:fld>
             <a:endParaRPr lang="en-US"/>
           </a:p>
@@ -3181,7 +3186,7 @@
           <a:p>
             <a:fld id="{E9440413-0B98-49EB-BF5C-28CE238C7A67}" type="datetimeFigureOut">
               <a:rPr lang="en-US" smtClean="0"/>
-              <a:t>2/13/2024</a:t>
+              <a:t>2/14/2024</a:t>
             </a:fld>
             <a:endParaRPr lang="en-US"/>
           </a:p>
@@ -3437,7 +3442,7 @@
           <a:p>
             <a:fld id="{E9440413-0B98-49EB-BF5C-28CE238C7A67}" type="datetimeFigureOut">
               <a:rPr lang="en-US" smtClean="0"/>
-              <a:t>2/13/2024</a:t>
+              <a:t>2/14/2024</a:t>
             </a:fld>
             <a:endParaRPr lang="en-US"/>
           </a:p>
@@ -3902,7 +3907,7 @@
           <a:p>
             <a:fld id="{E9440413-0B98-49EB-BF5C-28CE238C7A67}" type="datetimeFigureOut">
               <a:rPr lang="en-US" smtClean="0"/>
-              <a:t>2/13/2024</a:t>
+              <a:t>2/14/2024</a:t>
             </a:fld>
             <a:endParaRPr lang="en-US"/>
           </a:p>
@@ -4401,7 +4406,7 @@
           <a:p>
             <a:fld id="{E9440413-0B98-49EB-BF5C-28CE238C7A67}" type="datetimeFigureOut">
               <a:rPr lang="en-US" smtClean="0"/>
-              <a:t>2/13/2024</a:t>
+              <a:t>2/14/2024</a:t>
             </a:fld>
             <a:endParaRPr lang="en-US"/>
           </a:p>
@@ -4807,7 +4812,7 @@
           <a:p>
             <a:fld id="{E9440413-0B98-49EB-BF5C-28CE238C7A67}" type="datetimeFigureOut">
               <a:rPr lang="en-US" smtClean="0"/>
-              <a:t>2/13/2024</a:t>
+              <a:t>2/14/2024</a:t>
             </a:fld>
             <a:endParaRPr lang="en-US"/>
           </a:p>
@@ -4943,7 +4948,7 @@
           <a:p>
             <a:fld id="{E9440413-0B98-49EB-BF5C-28CE238C7A67}" type="datetimeFigureOut">
               <a:rPr lang="en-US" smtClean="0"/>
-              <a:t>2/13/2024</a:t>
+              <a:t>2/14/2024</a:t>
             </a:fld>
             <a:endParaRPr lang="en-US"/>
           </a:p>
@@ -5107,7 +5112,7 @@
           <a:p>
             <a:fld id="{E9440413-0B98-49EB-BF5C-28CE238C7A67}" type="datetimeFigureOut">
               <a:rPr lang="en-US" smtClean="0"/>
-              <a:t>2/13/2024</a:t>
+              <a:t>2/14/2024</a:t>
             </a:fld>
             <a:endParaRPr lang="en-US"/>
           </a:p>
@@ -6305,7 +6310,7 @@
           <a:p>
             <a:fld id="{E9440413-0B98-49EB-BF5C-28CE238C7A67}" type="datetimeFigureOut">
               <a:rPr lang="en-US" smtClean="0"/>
-              <a:t>2/13/2024</a:t>
+              <a:t>2/14/2024</a:t>
             </a:fld>
             <a:endParaRPr lang="en-US"/>
           </a:p>
@@ -6579,7 +6584,7 @@
           <a:p>
             <a:fld id="{E9440413-0B98-49EB-BF5C-28CE238C7A67}" type="datetimeFigureOut">
               <a:rPr lang="en-US" smtClean="0"/>
-              <a:t>2/13/2024</a:t>
+              <a:t>2/14/2024</a:t>
             </a:fld>
             <a:endParaRPr lang="en-US"/>
           </a:p>
@@ -6854,7 +6859,7 @@
           <a:p>
             <a:fld id="{E9440413-0B98-49EB-BF5C-28CE238C7A67}" type="datetimeFigureOut">
               <a:rPr lang="en-US" smtClean="0"/>
-              <a:t>2/13/2024</a:t>
+              <a:t>2/14/2024</a:t>
             </a:fld>
             <a:endParaRPr lang="en-US"/>
           </a:p>
@@ -7146,7 +7151,7 @@
           <a:p>
             <a:fld id="{E9440413-0B98-49EB-BF5C-28CE238C7A67}" type="datetimeFigureOut">
               <a:rPr lang="en-US" smtClean="0"/>
-              <a:t>2/13/2024</a:t>
+              <a:t>2/14/2024</a:t>
             </a:fld>
             <a:endParaRPr lang="en-US"/>
           </a:p>
@@ -7416,7 +7421,7 @@
           <a:p>
             <a:fld id="{E9440413-0B98-49EB-BF5C-28CE238C7A67}" type="datetimeFigureOut">
               <a:rPr lang="en-US" smtClean="0"/>
-              <a:t>2/13/2024</a:t>
+              <a:t>2/14/2024</a:t>
             </a:fld>
             <a:endParaRPr lang="en-US"/>
           </a:p>
@@ -7702,7 +7707,7 @@
           <a:p>
             <a:fld id="{E9440413-0B98-49EB-BF5C-28CE238C7A67}" type="datetimeFigureOut">
               <a:rPr lang="en-US" smtClean="0"/>
-              <a:t>2/13/2024</a:t>
+              <a:t>2/14/2024</a:t>
             </a:fld>
             <a:endParaRPr lang="en-US"/>
           </a:p>
@@ -8129,6 +8134,1337 @@
       </p:grpSpPr>
       <p:grpSp>
         <p:nvGrpSpPr>
+          <p:cNvPr id="4" name="Group 3">
+            <a:extLst>
+              <a:ext uri="{FF2B5EF4-FFF2-40B4-BE49-F238E27FC236}">
+                <a16:creationId xmlns:a16="http://schemas.microsoft.com/office/drawing/2014/main" id="{5992F545-FE1F-E1B0-3EC6-B46751DA6C0C}"/>
+              </a:ext>
+            </a:extLst>
+          </p:cNvPr>
+          <p:cNvGrpSpPr/>
+          <p:nvPr/>
+        </p:nvGrpSpPr>
+        <p:grpSpPr>
+          <a:xfrm>
+            <a:off x="-76066" y="180940"/>
+            <a:ext cx="12344132" cy="6424664"/>
+            <a:chOff x="1110536" y="2205048"/>
+            <a:chExt cx="7415149" cy="3859312"/>
+          </a:xfrm>
+        </p:grpSpPr>
+        <p:grpSp>
+          <p:nvGrpSpPr>
+            <p:cNvPr id="11" name="Group 10">
+              <a:extLst>
+                <a:ext uri="{FF2B5EF4-FFF2-40B4-BE49-F238E27FC236}">
+                  <a16:creationId xmlns:a16="http://schemas.microsoft.com/office/drawing/2014/main" id="{3DE1B08A-A3D6-F9FE-5E54-8638561964B3}"/>
+                </a:ext>
+              </a:extLst>
+            </p:cNvPr>
+            <p:cNvGrpSpPr/>
+            <p:nvPr/>
+          </p:nvGrpSpPr>
+          <p:grpSpPr>
+            <a:xfrm>
+              <a:off x="1110536" y="2279761"/>
+              <a:ext cx="375567" cy="3784599"/>
+              <a:chOff x="766765" y="1779388"/>
+              <a:chExt cx="375567" cy="4641372"/>
+            </a:xfrm>
+          </p:grpSpPr>
+          <p:cxnSp>
+            <p:nvCxnSpPr>
+              <p:cNvPr id="12" name="Straight Arrow Connector 11">
+                <a:extLst>
+                  <a:ext uri="{FF2B5EF4-FFF2-40B4-BE49-F238E27FC236}">
+                    <a16:creationId xmlns:a16="http://schemas.microsoft.com/office/drawing/2014/main" id="{FB710F8C-BFEA-4184-8C9D-C6C8A3731748}"/>
+                  </a:ext>
+                </a:extLst>
+              </p:cNvPr>
+              <p:cNvCxnSpPr>
+                <a:cxnSpLocks/>
+              </p:cNvCxnSpPr>
+              <p:nvPr/>
+            </p:nvCxnSpPr>
+            <p:spPr>
+              <a:xfrm flipV="1">
+                <a:off x="1142332" y="1779388"/>
+                <a:ext cx="0" cy="4641372"/>
+              </a:xfrm>
+              <a:prstGeom prst="straightConnector1">
+                <a:avLst/>
+              </a:prstGeom>
+              <a:ln w="76200">
+                <a:solidFill>
+                  <a:schemeClr val="accent1">
+                    <a:lumMod val="40000"/>
+                    <a:lumOff val="60000"/>
+                  </a:schemeClr>
+                </a:solidFill>
+                <a:tailEnd type="triangle"/>
+              </a:ln>
+            </p:spPr>
+            <p:style>
+              <a:lnRef idx="1">
+                <a:schemeClr val="accent1"/>
+              </a:lnRef>
+              <a:fillRef idx="0">
+                <a:schemeClr val="accent1"/>
+              </a:fillRef>
+              <a:effectRef idx="0">
+                <a:schemeClr val="accent1"/>
+              </a:effectRef>
+              <a:fontRef idx="minor">
+                <a:schemeClr val="tx1"/>
+              </a:fontRef>
+            </p:style>
+          </p:cxnSp>
+          <p:sp>
+            <p:nvSpPr>
+              <p:cNvPr id="13" name="TextBox 12">
+                <a:extLst>
+                  <a:ext uri="{FF2B5EF4-FFF2-40B4-BE49-F238E27FC236}">
+                    <a16:creationId xmlns:a16="http://schemas.microsoft.com/office/drawing/2014/main" id="{734582F9-57F5-C0A3-981F-58185117753A}"/>
+                  </a:ext>
+                </a:extLst>
+              </p:cNvPr>
+              <p:cNvSpPr txBox="1"/>
+              <p:nvPr/>
+            </p:nvSpPr>
+            <p:spPr>
+              <a:xfrm rot="16200000">
+                <a:off x="72131" y="2523590"/>
+                <a:ext cx="1648798" cy="259529"/>
+              </a:xfrm>
+              <a:prstGeom prst="rect">
+                <a:avLst/>
+              </a:prstGeom>
+              <a:noFill/>
+            </p:spPr>
+            <p:txBody>
+              <a:bodyPr wrap="square">
+                <a:spAutoFit/>
+              </a:bodyPr>
+              <a:lstStyle/>
+              <a:p>
+                <a:pPr marL="0" marR="0" lvl="0" indent="0" algn="l" defTabSz="914400" rtl="0" eaLnBrk="1" fontAlgn="auto" latinLnBrk="0" hangingPunct="1">
+                  <a:lnSpc>
+                    <a:spcPct val="100000"/>
+                  </a:lnSpc>
+                  <a:spcBef>
+                    <a:spcPts val="0"/>
+                  </a:spcBef>
+                  <a:spcAft>
+                    <a:spcPts val="0"/>
+                  </a:spcAft>
+                  <a:buClrTx/>
+                  <a:buSzTx/>
+                  <a:buFontTx/>
+                  <a:buNone/>
+                  <a:tabLst/>
+                  <a:defRPr/>
+                </a:pPr>
+                <a:r>
+                  <a:rPr kumimoji="0" lang="en-US" sz="1800" b="1" i="0" u="none" strike="noStrike" kern="1200" cap="none" spc="0" normalizeH="0" baseline="0" noProof="0" dirty="0">
+                    <a:ln>
+                      <a:noFill/>
+                    </a:ln>
+                    <a:solidFill>
+                      <a:prstClr val="black"/>
+                    </a:solidFill>
+                    <a:effectLst/>
+                    <a:uLnTx/>
+                    <a:uFillTx/>
+                    <a:latin typeface="Calibri" panose="020F0502020204030204" pitchFamily="34" charset="0"/>
+                    <a:ea typeface="Calibri" panose="020F0502020204030204" pitchFamily="34" charset="0"/>
+                    <a:cs typeface="Arial" panose="020B0604020202020204" pitchFamily="34" charset="0"/>
+                  </a:rPr>
+                  <a:t>Data aggregation</a:t>
+                </a:r>
+                <a:endParaRPr kumimoji="0" lang="en-US" sz="1800" b="0" i="0" u="none" strike="noStrike" kern="1200" cap="none" spc="0" normalizeH="0" baseline="0" noProof="0" dirty="0">
+                  <a:ln>
+                    <a:noFill/>
+                  </a:ln>
+                  <a:solidFill>
+                    <a:prstClr val="black"/>
+                  </a:solidFill>
+                  <a:effectLst/>
+                  <a:uLnTx/>
+                  <a:uFillTx/>
+                  <a:latin typeface="Calibri"/>
+                  <a:ea typeface="+mn-ea"/>
+                  <a:cs typeface="+mn-cs"/>
+                </a:endParaRPr>
+              </a:p>
+            </p:txBody>
+          </p:sp>
+        </p:grpSp>
+        <p:grpSp>
+          <p:nvGrpSpPr>
+            <p:cNvPr id="2" name="Group 1">
+              <a:extLst>
+                <a:ext uri="{FF2B5EF4-FFF2-40B4-BE49-F238E27FC236}">
+                  <a16:creationId xmlns:a16="http://schemas.microsoft.com/office/drawing/2014/main" id="{5C095CEE-2727-68B8-C59F-D0CE36FC8251}"/>
+                </a:ext>
+              </a:extLst>
+            </p:cNvPr>
+            <p:cNvGrpSpPr/>
+            <p:nvPr/>
+          </p:nvGrpSpPr>
+          <p:grpSpPr>
+            <a:xfrm>
+              <a:off x="8034431" y="2205048"/>
+              <a:ext cx="382633" cy="3859312"/>
+              <a:chOff x="-470034" y="1618294"/>
+              <a:chExt cx="382633" cy="4732998"/>
+            </a:xfrm>
+          </p:grpSpPr>
+          <p:cxnSp>
+            <p:nvCxnSpPr>
+              <p:cNvPr id="3" name="Straight Arrow Connector 2">
+                <a:extLst>
+                  <a:ext uri="{FF2B5EF4-FFF2-40B4-BE49-F238E27FC236}">
+                    <a16:creationId xmlns:a16="http://schemas.microsoft.com/office/drawing/2014/main" id="{C9F6E95B-1C14-7483-6F9C-1B5EAC2E1E75}"/>
+                  </a:ext>
+                </a:extLst>
+              </p:cNvPr>
+              <p:cNvCxnSpPr>
+                <a:cxnSpLocks/>
+              </p:cNvCxnSpPr>
+              <p:nvPr/>
+            </p:nvCxnSpPr>
+            <p:spPr>
+              <a:xfrm flipV="1">
+                <a:off x="-87401" y="1618294"/>
+                <a:ext cx="0" cy="4732998"/>
+              </a:xfrm>
+              <a:prstGeom prst="straightConnector1">
+                <a:avLst/>
+              </a:prstGeom>
+              <a:ln w="76200">
+                <a:solidFill>
+                  <a:schemeClr val="accent1">
+                    <a:lumMod val="40000"/>
+                    <a:lumOff val="60000"/>
+                  </a:schemeClr>
+                </a:solidFill>
+                <a:tailEnd type="triangle"/>
+              </a:ln>
+            </p:spPr>
+            <p:style>
+              <a:lnRef idx="1">
+                <a:schemeClr val="accent1"/>
+              </a:lnRef>
+              <a:fillRef idx="0">
+                <a:schemeClr val="accent1"/>
+              </a:fillRef>
+              <a:effectRef idx="0">
+                <a:schemeClr val="accent1"/>
+              </a:effectRef>
+              <a:fontRef idx="minor">
+                <a:schemeClr val="tx1"/>
+              </a:fontRef>
+            </p:style>
+          </p:cxnSp>
+          <p:sp>
+            <p:nvSpPr>
+              <p:cNvPr id="5" name="TextBox 4">
+                <a:extLst>
+                  <a:ext uri="{FF2B5EF4-FFF2-40B4-BE49-F238E27FC236}">
+                    <a16:creationId xmlns:a16="http://schemas.microsoft.com/office/drawing/2014/main" id="{099F255B-2E5D-1FEB-97E0-13107868FE94}"/>
+                  </a:ext>
+                </a:extLst>
+              </p:cNvPr>
+              <p:cNvSpPr txBox="1"/>
+              <p:nvPr/>
+            </p:nvSpPr>
+            <p:spPr>
+              <a:xfrm rot="16200000">
+                <a:off x="-2567123" y="3903511"/>
+                <a:ext cx="4453707" cy="259529"/>
+              </a:xfrm>
+              <a:prstGeom prst="rect">
+                <a:avLst/>
+              </a:prstGeom>
+              <a:noFill/>
+            </p:spPr>
+            <p:txBody>
+              <a:bodyPr wrap="square">
+                <a:spAutoFit/>
+              </a:bodyPr>
+              <a:lstStyle/>
+              <a:p>
+                <a:pPr marL="0" marR="0" lvl="0" indent="0" algn="r" defTabSz="914400" rtl="0" eaLnBrk="1" fontAlgn="auto" latinLnBrk="0" hangingPunct="1">
+                  <a:lnSpc>
+                    <a:spcPct val="100000"/>
+                  </a:lnSpc>
+                  <a:spcBef>
+                    <a:spcPts val="0"/>
+                  </a:spcBef>
+                  <a:spcAft>
+                    <a:spcPts val="0"/>
+                  </a:spcAft>
+                  <a:buClrTx/>
+                  <a:buSzTx/>
+                  <a:buFontTx/>
+                  <a:buNone/>
+                  <a:tabLst/>
+                  <a:defRPr/>
+                </a:pPr>
+                <a:r>
+                  <a:rPr kumimoji="0" lang="en-US" sz="1800" b="1" i="0" u="none" strike="noStrike" kern="1200" cap="none" spc="0" normalizeH="0" baseline="0" noProof="0" dirty="0" err="1">
+                    <a:ln>
+                      <a:noFill/>
+                    </a:ln>
+                    <a:solidFill>
+                      <a:prstClr val="black"/>
+                    </a:solidFill>
+                    <a:effectLst/>
+                    <a:uLnTx/>
+                    <a:uFillTx/>
+                    <a:latin typeface="Calibri" panose="020F0502020204030204" pitchFamily="34" charset="0"/>
+                    <a:ea typeface="Calibri" panose="020F0502020204030204" pitchFamily="34" charset="0"/>
+                    <a:cs typeface="Arial" panose="020B0604020202020204" pitchFamily="34" charset="0"/>
+                  </a:rPr>
+                  <a:t>Organizarional</a:t>
+                </a:r>
+                <a:r>
+                  <a:rPr kumimoji="0" lang="en-US" sz="1800" b="1" i="0" u="none" strike="noStrike" kern="1200" cap="none" spc="0" normalizeH="0" baseline="0" noProof="0" dirty="0">
+                    <a:ln>
+                      <a:noFill/>
+                    </a:ln>
+                    <a:solidFill>
+                      <a:prstClr val="black"/>
+                    </a:solidFill>
+                    <a:effectLst/>
+                    <a:uLnTx/>
+                    <a:uFillTx/>
+                    <a:latin typeface="Calibri" panose="020F0502020204030204" pitchFamily="34" charset="0"/>
+                    <a:ea typeface="Calibri" panose="020F0502020204030204" pitchFamily="34" charset="0"/>
+                    <a:cs typeface="Arial" panose="020B0604020202020204" pitchFamily="34" charset="0"/>
+                  </a:rPr>
+                  <a:t> </a:t>
+                </a:r>
+                <a:r>
+                  <a:rPr kumimoji="0" lang="en-US" sz="1800" b="1" i="0" u="none" strike="noStrike" kern="1200" cap="none" spc="0" normalizeH="0" baseline="0" noProof="0" dirty="0" err="1">
+                    <a:ln>
+                      <a:noFill/>
+                    </a:ln>
+                    <a:solidFill>
+                      <a:prstClr val="black"/>
+                    </a:solidFill>
+                    <a:effectLst/>
+                    <a:uLnTx/>
+                    <a:uFillTx/>
+                    <a:latin typeface="Calibri" panose="020F0502020204030204" pitchFamily="34" charset="0"/>
+                    <a:ea typeface="Calibri" panose="020F0502020204030204" pitchFamily="34" charset="0"/>
+                    <a:cs typeface="Arial" panose="020B0604020202020204" pitchFamily="34" charset="0"/>
+                  </a:rPr>
+                  <a:t>hierachy</a:t>
+                </a:r>
+                <a:endParaRPr kumimoji="0" lang="en-US" sz="1800" b="0" i="0" u="none" strike="noStrike" kern="1200" cap="none" spc="0" normalizeH="0" baseline="0" noProof="0" dirty="0">
+                  <a:ln>
+                    <a:noFill/>
+                  </a:ln>
+                  <a:solidFill>
+                    <a:prstClr val="black"/>
+                  </a:solidFill>
+                  <a:effectLst/>
+                  <a:uLnTx/>
+                  <a:uFillTx/>
+                  <a:latin typeface="Calibri"/>
+                  <a:ea typeface="+mn-ea"/>
+                  <a:cs typeface="+mn-cs"/>
+                </a:endParaRPr>
+              </a:p>
+            </p:txBody>
+          </p:sp>
+        </p:grpSp>
+        <p:grpSp>
+          <p:nvGrpSpPr>
+            <p:cNvPr id="40" name="Group 39">
+              <a:extLst>
+                <a:ext uri="{FF2B5EF4-FFF2-40B4-BE49-F238E27FC236}">
+                  <a16:creationId xmlns:a16="http://schemas.microsoft.com/office/drawing/2014/main" id="{DFB91D83-161E-2246-3823-0568C94E87C7}"/>
+                </a:ext>
+              </a:extLst>
+            </p:cNvPr>
+            <p:cNvGrpSpPr/>
+            <p:nvPr/>
+          </p:nvGrpSpPr>
+          <p:grpSpPr>
+            <a:xfrm>
+              <a:off x="1751547" y="2279761"/>
+              <a:ext cx="6774138" cy="3784599"/>
+              <a:chOff x="1751547" y="2279761"/>
+              <a:chExt cx="6774138" cy="3784599"/>
+            </a:xfrm>
+          </p:grpSpPr>
+          <p:sp>
+            <p:nvSpPr>
+              <p:cNvPr id="21" name="TextBox 20">
+                <a:extLst>
+                  <a:ext uri="{FF2B5EF4-FFF2-40B4-BE49-F238E27FC236}">
+                    <a16:creationId xmlns:a16="http://schemas.microsoft.com/office/drawing/2014/main" id="{AA0D1BCC-DE22-AE20-6989-6EDA09ED849D}"/>
+                  </a:ext>
+                </a:extLst>
+              </p:cNvPr>
+              <p:cNvSpPr txBox="1"/>
+              <p:nvPr/>
+            </p:nvSpPr>
+            <p:spPr>
+              <a:xfrm>
+                <a:off x="7357730" y="5163896"/>
+                <a:ext cx="1167955" cy="307777"/>
+              </a:xfrm>
+              <a:prstGeom prst="rect">
+                <a:avLst/>
+              </a:prstGeom>
+              <a:noFill/>
+            </p:spPr>
+            <p:txBody>
+              <a:bodyPr wrap="square" lIns="0" tIns="0" rIns="0" bIns="0" rtlCol="0">
+                <a:spAutoFit/>
+              </a:bodyPr>
+              <a:lstStyle/>
+              <a:p>
+                <a:pPr marL="0" marR="0" lvl="0" indent="0" algn="l" defTabSz="914367" rtl="0" eaLnBrk="1" fontAlgn="auto" latinLnBrk="0" hangingPunct="1">
+                  <a:lnSpc>
+                    <a:spcPct val="100000"/>
+                  </a:lnSpc>
+                  <a:spcBef>
+                    <a:spcPts val="0"/>
+                  </a:spcBef>
+                  <a:spcAft>
+                    <a:spcPts val="0"/>
+                  </a:spcAft>
+                  <a:buClrTx/>
+                  <a:buSzTx/>
+                  <a:buFontTx/>
+                  <a:buNone/>
+                  <a:tabLst/>
+                  <a:defRPr/>
+                </a:pPr>
+                <a:r>
+                  <a:rPr kumimoji="0" lang="en-GB" sz="2000" b="0" i="0" u="none" strike="noStrike" kern="1200" cap="none" spc="0" normalizeH="0" baseline="0" noProof="0" dirty="0">
+                    <a:ln>
+                      <a:noFill/>
+                    </a:ln>
+                    <a:solidFill>
+                      <a:srgbClr val="000000"/>
+                    </a:solidFill>
+                    <a:effectLst/>
+                    <a:uLnTx/>
+                    <a:uFillTx/>
+                    <a:latin typeface="Segoe UI"/>
+                    <a:ea typeface="+mn-ea"/>
+                    <a:cs typeface="+mn-cs"/>
+                  </a:rPr>
+                  <a:t>Staff</a:t>
+                </a:r>
+              </a:p>
+            </p:txBody>
+          </p:sp>
+          <p:sp>
+            <p:nvSpPr>
+              <p:cNvPr id="22" name="TextBox 21">
+                <a:extLst>
+                  <a:ext uri="{FF2B5EF4-FFF2-40B4-BE49-F238E27FC236}">
+                    <a16:creationId xmlns:a16="http://schemas.microsoft.com/office/drawing/2014/main" id="{56A813E7-51BD-80E3-F5E1-60F7D463644F}"/>
+                  </a:ext>
+                </a:extLst>
+              </p:cNvPr>
+              <p:cNvSpPr txBox="1"/>
+              <p:nvPr/>
+            </p:nvSpPr>
+            <p:spPr>
+              <a:xfrm>
+                <a:off x="6663726" y="3921734"/>
+                <a:ext cx="1808796" cy="307777"/>
+              </a:xfrm>
+              <a:prstGeom prst="rect">
+                <a:avLst/>
+              </a:prstGeom>
+              <a:noFill/>
+            </p:spPr>
+            <p:txBody>
+              <a:bodyPr wrap="square" lIns="0" tIns="0" rIns="0" bIns="0" rtlCol="0">
+                <a:spAutoFit/>
+              </a:bodyPr>
+              <a:lstStyle/>
+              <a:p>
+                <a:pPr marL="0" marR="0" lvl="0" indent="0" algn="l" defTabSz="914367" rtl="0" eaLnBrk="1" fontAlgn="auto" latinLnBrk="0" hangingPunct="1">
+                  <a:lnSpc>
+                    <a:spcPct val="100000"/>
+                  </a:lnSpc>
+                  <a:spcBef>
+                    <a:spcPts val="0"/>
+                  </a:spcBef>
+                  <a:spcAft>
+                    <a:spcPts val="0"/>
+                  </a:spcAft>
+                  <a:buClrTx/>
+                  <a:buSzTx/>
+                  <a:buFontTx/>
+                  <a:buNone/>
+                  <a:tabLst/>
+                  <a:defRPr/>
+                </a:pPr>
+                <a:r>
+                  <a:rPr kumimoji="0" lang="en-GB" sz="2000" b="0" i="0" u="none" strike="noStrike" kern="1200" cap="none" spc="0" normalizeH="0" baseline="0" noProof="0" dirty="0">
+                    <a:ln>
+                      <a:noFill/>
+                    </a:ln>
+                    <a:solidFill>
+                      <a:srgbClr val="000000"/>
+                    </a:solidFill>
+                    <a:effectLst/>
+                    <a:uLnTx/>
+                    <a:uFillTx/>
+                    <a:latin typeface="Segoe UI"/>
+                    <a:ea typeface="+mn-ea"/>
+                    <a:cs typeface="+mn-cs"/>
+                  </a:rPr>
+                  <a:t>Management</a:t>
+                </a:r>
+              </a:p>
+            </p:txBody>
+          </p:sp>
+          <p:grpSp>
+            <p:nvGrpSpPr>
+              <p:cNvPr id="20" name="Group 19">
+                <a:extLst>
+                  <a:ext uri="{FF2B5EF4-FFF2-40B4-BE49-F238E27FC236}">
+                    <a16:creationId xmlns:a16="http://schemas.microsoft.com/office/drawing/2014/main" id="{5BD1079F-D895-5308-71CE-A3842076D451}"/>
+                  </a:ext>
+                </a:extLst>
+              </p:cNvPr>
+              <p:cNvGrpSpPr/>
+              <p:nvPr/>
+            </p:nvGrpSpPr>
+            <p:grpSpPr>
+              <a:xfrm>
+                <a:off x="2124438" y="2279761"/>
+                <a:ext cx="5411972" cy="3784599"/>
+                <a:chOff x="2124438" y="2279761"/>
+                <a:chExt cx="5411972" cy="3784599"/>
+              </a:xfrm>
+              <a:noFill/>
+            </p:grpSpPr>
+            <p:sp>
+              <p:nvSpPr>
+                <p:cNvPr id="15" name="Trapezoid 14">
+                  <a:extLst>
+                    <a:ext uri="{FF2B5EF4-FFF2-40B4-BE49-F238E27FC236}">
+                      <a16:creationId xmlns:a16="http://schemas.microsoft.com/office/drawing/2014/main" id="{E1BF908A-4CDA-8F16-BF00-28CD10F92302}"/>
+                    </a:ext>
+                  </a:extLst>
+                </p:cNvPr>
+                <p:cNvSpPr/>
+                <p:nvPr/>
+              </p:nvSpPr>
+              <p:spPr bwMode="auto">
+                <a:xfrm>
+                  <a:off x="2124438" y="4915121"/>
+                  <a:ext cx="5411972" cy="1149239"/>
+                </a:xfrm>
+                <a:prstGeom prst="trapezoid">
+                  <a:avLst>
+                    <a:gd name="adj" fmla="val 60157"/>
+                  </a:avLst>
+                </a:prstGeom>
+                <a:grpFill/>
+                <a:ln w="28575">
+                  <a:solidFill>
+                    <a:schemeClr val="tx1"/>
+                  </a:solidFill>
+                  <a:headEnd type="none" w="med" len="med"/>
+                  <a:tailEnd type="none" w="med" len="med"/>
+                </a:ln>
+                <a:effectLst/>
+              </p:spPr>
+              <p:style>
+                <a:lnRef idx="1">
+                  <a:schemeClr val="accent2"/>
+                </a:lnRef>
+                <a:fillRef idx="3">
+                  <a:schemeClr val="accent2"/>
+                </a:fillRef>
+                <a:effectRef idx="2">
+                  <a:schemeClr val="accent2"/>
+                </a:effectRef>
+                <a:fontRef idx="minor">
+                  <a:schemeClr val="lt1"/>
+                </a:fontRef>
+              </p:style>
+              <p:txBody>
+                <a:bodyPr rot="0" spcFirstLastPara="0" vertOverflow="overflow" horzOverflow="overflow" vert="horz" wrap="square" lIns="182880" tIns="146304" rIns="182880" bIns="146304" numCol="1" spcCol="0" rtlCol="0" fromWordArt="0" anchor="t" anchorCtr="0" forceAA="0" compatLnSpc="1">
+                  <a:prstTxWarp prst="textNoShape">
+                    <a:avLst/>
+                  </a:prstTxWarp>
+                  <a:noAutofit/>
+                </a:bodyPr>
+                <a:lstStyle/>
+                <a:p>
+                  <a:pPr marL="0" marR="0" lvl="0" indent="0" algn="l" defTabSz="932472" rtl="0" eaLnBrk="1" fontAlgn="base" latinLnBrk="0" hangingPunct="1">
+                    <a:lnSpc>
+                      <a:spcPct val="100000"/>
+                    </a:lnSpc>
+                    <a:spcBef>
+                      <a:spcPct val="0"/>
+                    </a:spcBef>
+                    <a:spcAft>
+                      <a:spcPct val="0"/>
+                    </a:spcAft>
+                    <a:buClrTx/>
+                    <a:buSzTx/>
+                    <a:buFontTx/>
+                    <a:buNone/>
+                    <a:tabLst/>
+                    <a:defRPr/>
+                  </a:pPr>
+                  <a:endParaRPr kumimoji="0" lang="en-GB" sz="2000" b="0" i="0" u="none" strike="noStrike" kern="1200" cap="none" spc="0" normalizeH="0" baseline="0" noProof="0" dirty="0" err="1">
+                    <a:ln>
+                      <a:noFill/>
+                    </a:ln>
+                    <a:solidFill>
+                      <a:srgbClr val="FFFFFF"/>
+                    </a:solidFill>
+                    <a:effectLst/>
+                    <a:uLnTx/>
+                    <a:uFillTx/>
+                    <a:latin typeface="Segoe UI"/>
+                    <a:ea typeface="Segoe UI" pitchFamily="34" charset="0"/>
+                    <a:cs typeface="Segoe UI" pitchFamily="34" charset="0"/>
+                  </a:endParaRPr>
+                </a:p>
+              </p:txBody>
+            </p:sp>
+            <p:sp>
+              <p:nvSpPr>
+                <p:cNvPr id="16" name="Trapezoid 15">
+                  <a:extLst>
+                    <a:ext uri="{FF2B5EF4-FFF2-40B4-BE49-F238E27FC236}">
+                      <a16:creationId xmlns:a16="http://schemas.microsoft.com/office/drawing/2014/main" id="{53169B32-8B62-0DBA-DA9A-F3D1143A579F}"/>
+                    </a:ext>
+                  </a:extLst>
+                </p:cNvPr>
+                <p:cNvSpPr/>
+                <p:nvPr/>
+              </p:nvSpPr>
+              <p:spPr bwMode="auto">
+                <a:xfrm>
+                  <a:off x="2915316" y="3597820"/>
+                  <a:ext cx="3857624" cy="1149239"/>
+                </a:xfrm>
+                <a:prstGeom prst="trapezoid">
+                  <a:avLst>
+                    <a:gd name="adj" fmla="val 56456"/>
+                  </a:avLst>
+                </a:prstGeom>
+                <a:grpFill/>
+                <a:ln w="28575">
+                  <a:solidFill>
+                    <a:schemeClr val="tx1"/>
+                  </a:solidFill>
+                  <a:headEnd type="none" w="med" len="med"/>
+                  <a:tailEnd type="none" w="med" len="med"/>
+                </a:ln>
+                <a:effectLst/>
+              </p:spPr>
+              <p:style>
+                <a:lnRef idx="1">
+                  <a:schemeClr val="accent2"/>
+                </a:lnRef>
+                <a:fillRef idx="3">
+                  <a:schemeClr val="accent2"/>
+                </a:fillRef>
+                <a:effectRef idx="2">
+                  <a:schemeClr val="accent2"/>
+                </a:effectRef>
+                <a:fontRef idx="minor">
+                  <a:schemeClr val="lt1"/>
+                </a:fontRef>
+              </p:style>
+              <p:txBody>
+                <a:bodyPr rot="0" spcFirstLastPara="0" vertOverflow="overflow" horzOverflow="overflow" vert="horz" wrap="square" lIns="182880" tIns="146304" rIns="182880" bIns="146304" numCol="1" spcCol="0" rtlCol="0" fromWordArt="0" anchor="t" anchorCtr="0" forceAA="0" compatLnSpc="1">
+                  <a:prstTxWarp prst="textNoShape">
+                    <a:avLst/>
+                  </a:prstTxWarp>
+                  <a:noAutofit/>
+                </a:bodyPr>
+                <a:lstStyle/>
+                <a:p>
+                  <a:pPr marL="0" marR="0" lvl="0" indent="0" algn="l" defTabSz="932472" rtl="0" eaLnBrk="1" fontAlgn="base" latinLnBrk="0" hangingPunct="1">
+                    <a:lnSpc>
+                      <a:spcPct val="100000"/>
+                    </a:lnSpc>
+                    <a:spcBef>
+                      <a:spcPct val="0"/>
+                    </a:spcBef>
+                    <a:spcAft>
+                      <a:spcPct val="0"/>
+                    </a:spcAft>
+                    <a:buClrTx/>
+                    <a:buSzTx/>
+                    <a:buFontTx/>
+                    <a:buNone/>
+                    <a:tabLst/>
+                    <a:defRPr/>
+                  </a:pPr>
+                  <a:endParaRPr kumimoji="0" lang="en-GB" sz="2000" b="0" i="0" u="none" strike="noStrike" kern="1200" cap="none" spc="0" normalizeH="0" baseline="0" noProof="0" dirty="0" err="1">
+                    <a:ln>
+                      <a:noFill/>
+                    </a:ln>
+                    <a:solidFill>
+                      <a:srgbClr val="FFFFFF"/>
+                    </a:solidFill>
+                    <a:effectLst/>
+                    <a:uLnTx/>
+                    <a:uFillTx/>
+                    <a:latin typeface="Segoe UI"/>
+                    <a:ea typeface="Segoe UI" pitchFamily="34" charset="0"/>
+                    <a:cs typeface="Segoe UI" pitchFamily="34" charset="0"/>
+                  </a:endParaRPr>
+                </a:p>
+              </p:txBody>
+            </p:sp>
+            <p:sp>
+              <p:nvSpPr>
+                <p:cNvPr id="19" name="Trapezoid 18">
+                  <a:extLst>
+                    <a:ext uri="{FF2B5EF4-FFF2-40B4-BE49-F238E27FC236}">
+                      <a16:creationId xmlns:a16="http://schemas.microsoft.com/office/drawing/2014/main" id="{26486CFE-05E2-66A2-6A08-3DF11A385CD1}"/>
+                    </a:ext>
+                  </a:extLst>
+                </p:cNvPr>
+                <p:cNvSpPr/>
+                <p:nvPr/>
+              </p:nvSpPr>
+              <p:spPr bwMode="auto">
+                <a:xfrm>
+                  <a:off x="3560343" y="2279761"/>
+                  <a:ext cx="2535657" cy="1149239"/>
+                </a:xfrm>
+                <a:prstGeom prst="trapezoid">
+                  <a:avLst>
+                    <a:gd name="adj" fmla="val 53682"/>
+                  </a:avLst>
+                </a:prstGeom>
+                <a:grpFill/>
+                <a:ln w="28575">
+                  <a:solidFill>
+                    <a:schemeClr val="tx1"/>
+                  </a:solidFill>
+                  <a:headEnd type="none" w="med" len="med"/>
+                  <a:tailEnd type="none" w="med" len="med"/>
+                </a:ln>
+                <a:effectLst/>
+              </p:spPr>
+              <p:style>
+                <a:lnRef idx="1">
+                  <a:schemeClr val="accent2"/>
+                </a:lnRef>
+                <a:fillRef idx="3">
+                  <a:schemeClr val="accent2"/>
+                </a:fillRef>
+                <a:effectRef idx="2">
+                  <a:schemeClr val="accent2"/>
+                </a:effectRef>
+                <a:fontRef idx="minor">
+                  <a:schemeClr val="lt1"/>
+                </a:fontRef>
+              </p:style>
+              <p:txBody>
+                <a:bodyPr rot="0" spcFirstLastPara="0" vertOverflow="overflow" horzOverflow="overflow" vert="horz" wrap="square" lIns="182880" tIns="146304" rIns="182880" bIns="146304" numCol="1" spcCol="0" rtlCol="0" fromWordArt="0" anchor="t" anchorCtr="0" forceAA="0" compatLnSpc="1">
+                  <a:prstTxWarp prst="textNoShape">
+                    <a:avLst/>
+                  </a:prstTxWarp>
+                  <a:noAutofit/>
+                </a:bodyPr>
+                <a:lstStyle/>
+                <a:p>
+                  <a:pPr marL="0" marR="0" lvl="0" indent="0" algn="l" defTabSz="932472" rtl="0" eaLnBrk="1" fontAlgn="base" latinLnBrk="0" hangingPunct="1">
+                    <a:lnSpc>
+                      <a:spcPct val="100000"/>
+                    </a:lnSpc>
+                    <a:spcBef>
+                      <a:spcPct val="0"/>
+                    </a:spcBef>
+                    <a:spcAft>
+                      <a:spcPct val="0"/>
+                    </a:spcAft>
+                    <a:buClrTx/>
+                    <a:buSzTx/>
+                    <a:buFontTx/>
+                    <a:buNone/>
+                    <a:tabLst/>
+                    <a:defRPr/>
+                  </a:pPr>
+                  <a:endParaRPr kumimoji="0" lang="en-GB" sz="2000" b="0" i="0" u="none" strike="noStrike" kern="1200" cap="none" spc="0" normalizeH="0" baseline="0" noProof="0" dirty="0" err="1">
+                    <a:ln>
+                      <a:noFill/>
+                    </a:ln>
+                    <a:solidFill>
+                      <a:srgbClr val="FFFFFF"/>
+                    </a:solidFill>
+                    <a:effectLst/>
+                    <a:uLnTx/>
+                    <a:uFillTx/>
+                    <a:latin typeface="Segoe UI"/>
+                    <a:ea typeface="Segoe UI" pitchFamily="34" charset="0"/>
+                    <a:cs typeface="Segoe UI" pitchFamily="34" charset="0"/>
+                  </a:endParaRPr>
+                </a:p>
+              </p:txBody>
+            </p:sp>
+          </p:grpSp>
+          <p:sp>
+            <p:nvSpPr>
+              <p:cNvPr id="23" name="TextBox 22">
+                <a:extLst>
+                  <a:ext uri="{FF2B5EF4-FFF2-40B4-BE49-F238E27FC236}">
+                    <a16:creationId xmlns:a16="http://schemas.microsoft.com/office/drawing/2014/main" id="{2E684371-28BF-7FBD-08D8-92A676BD8F57}"/>
+                  </a:ext>
+                </a:extLst>
+              </p:cNvPr>
+              <p:cNvSpPr txBox="1"/>
+              <p:nvPr/>
+            </p:nvSpPr>
+            <p:spPr>
+              <a:xfrm>
+                <a:off x="5936533" y="2688708"/>
+                <a:ext cx="1808796" cy="307777"/>
+              </a:xfrm>
+              <a:prstGeom prst="rect">
+                <a:avLst/>
+              </a:prstGeom>
+              <a:noFill/>
+            </p:spPr>
+            <p:txBody>
+              <a:bodyPr wrap="square" lIns="0" tIns="0" rIns="0" bIns="0" rtlCol="0">
+                <a:spAutoFit/>
+              </a:bodyPr>
+              <a:lstStyle/>
+              <a:p>
+                <a:pPr marL="0" marR="0" lvl="0" indent="0" algn="l" defTabSz="914367" rtl="0" eaLnBrk="1" fontAlgn="auto" latinLnBrk="0" hangingPunct="1">
+                  <a:lnSpc>
+                    <a:spcPct val="100000"/>
+                  </a:lnSpc>
+                  <a:spcBef>
+                    <a:spcPts val="0"/>
+                  </a:spcBef>
+                  <a:spcAft>
+                    <a:spcPts val="0"/>
+                  </a:spcAft>
+                  <a:buClrTx/>
+                  <a:buSzTx/>
+                  <a:buFontTx/>
+                  <a:buNone/>
+                  <a:tabLst/>
+                  <a:defRPr/>
+                </a:pPr>
+                <a:r>
+                  <a:rPr kumimoji="0" lang="en-GB" sz="2000" b="0" i="0" u="none" strike="noStrike" kern="1200" cap="none" spc="0" normalizeH="0" baseline="0" noProof="0" dirty="0">
+                    <a:ln>
+                      <a:noFill/>
+                    </a:ln>
+                    <a:solidFill>
+                      <a:srgbClr val="000000"/>
+                    </a:solidFill>
+                    <a:effectLst/>
+                    <a:uLnTx/>
+                    <a:uFillTx/>
+                    <a:latin typeface="Segoe UI"/>
+                    <a:ea typeface="+mn-ea"/>
+                    <a:cs typeface="+mn-cs"/>
+                  </a:rPr>
+                  <a:t>Leadership</a:t>
+                </a:r>
+              </a:p>
+            </p:txBody>
+          </p:sp>
+          <p:sp>
+            <p:nvSpPr>
+              <p:cNvPr id="24" name="TextBox 23">
+                <a:extLst>
+                  <a:ext uri="{FF2B5EF4-FFF2-40B4-BE49-F238E27FC236}">
+                    <a16:creationId xmlns:a16="http://schemas.microsoft.com/office/drawing/2014/main" id="{2AE586D6-C66E-F569-1A01-B34ECA1ABE5D}"/>
+                  </a:ext>
+                </a:extLst>
+              </p:cNvPr>
+              <p:cNvSpPr txBox="1"/>
+              <p:nvPr/>
+            </p:nvSpPr>
+            <p:spPr>
+              <a:xfrm>
+                <a:off x="2358634" y="2684622"/>
+                <a:ext cx="1808796" cy="615553"/>
+              </a:xfrm>
+              <a:prstGeom prst="rect">
+                <a:avLst/>
+              </a:prstGeom>
+              <a:noFill/>
+            </p:spPr>
+            <p:txBody>
+              <a:bodyPr wrap="square" lIns="0" tIns="0" rIns="0" bIns="0" rtlCol="0">
+                <a:spAutoFit/>
+              </a:bodyPr>
+              <a:lstStyle/>
+              <a:p>
+                <a:pPr marL="0" marR="0" lvl="0" indent="0" algn="l" defTabSz="914367" rtl="0" eaLnBrk="1" fontAlgn="auto" latinLnBrk="0" hangingPunct="1">
+                  <a:lnSpc>
+                    <a:spcPct val="100000"/>
+                  </a:lnSpc>
+                  <a:spcBef>
+                    <a:spcPts val="0"/>
+                  </a:spcBef>
+                  <a:spcAft>
+                    <a:spcPts val="0"/>
+                  </a:spcAft>
+                  <a:buClrTx/>
+                  <a:buSzTx/>
+                  <a:buFontTx/>
+                  <a:buNone/>
+                  <a:tabLst/>
+                  <a:defRPr/>
+                </a:pPr>
+                <a:r>
+                  <a:rPr kumimoji="0" lang="en-GB" sz="2000" b="0" i="0" u="none" strike="noStrike" kern="1200" cap="none" spc="0" normalizeH="0" baseline="0" noProof="0" dirty="0">
+                    <a:ln>
+                      <a:noFill/>
+                    </a:ln>
+                    <a:solidFill>
+                      <a:srgbClr val="000000"/>
+                    </a:solidFill>
+                    <a:effectLst/>
+                    <a:uLnTx/>
+                    <a:uFillTx/>
+                    <a:latin typeface="Segoe UI"/>
+                    <a:ea typeface="+mn-ea"/>
+                    <a:cs typeface="+mn-cs"/>
+                  </a:rPr>
+                  <a:t>Performance data</a:t>
+                </a:r>
+              </a:p>
+            </p:txBody>
+          </p:sp>
+          <p:sp>
+            <p:nvSpPr>
+              <p:cNvPr id="25" name="TextBox 24">
+                <a:extLst>
+                  <a:ext uri="{FF2B5EF4-FFF2-40B4-BE49-F238E27FC236}">
+                    <a16:creationId xmlns:a16="http://schemas.microsoft.com/office/drawing/2014/main" id="{C719DD6E-1D9D-A43F-4F31-75A3928AAB0F}"/>
+                  </a:ext>
+                </a:extLst>
+              </p:cNvPr>
+              <p:cNvSpPr txBox="1"/>
+              <p:nvPr/>
+            </p:nvSpPr>
+            <p:spPr>
+              <a:xfrm>
+                <a:off x="1751547" y="3726645"/>
+                <a:ext cx="1808796" cy="615553"/>
+              </a:xfrm>
+              <a:prstGeom prst="rect">
+                <a:avLst/>
+              </a:prstGeom>
+              <a:noFill/>
+            </p:spPr>
+            <p:txBody>
+              <a:bodyPr wrap="square" lIns="0" tIns="0" rIns="0" bIns="0" rtlCol="0">
+                <a:spAutoFit/>
+              </a:bodyPr>
+              <a:lstStyle/>
+              <a:p>
+                <a:pPr marL="0" marR="0" lvl="0" indent="0" algn="l" defTabSz="914367" rtl="0" eaLnBrk="1" fontAlgn="auto" latinLnBrk="0" hangingPunct="1">
+                  <a:lnSpc>
+                    <a:spcPct val="100000"/>
+                  </a:lnSpc>
+                  <a:spcBef>
+                    <a:spcPts val="0"/>
+                  </a:spcBef>
+                  <a:spcAft>
+                    <a:spcPts val="0"/>
+                  </a:spcAft>
+                  <a:buClrTx/>
+                  <a:buSzTx/>
+                  <a:buFontTx/>
+                  <a:buNone/>
+                  <a:tabLst/>
+                  <a:defRPr/>
+                </a:pPr>
+                <a:r>
+                  <a:rPr kumimoji="0" lang="en-GB" sz="2000" b="0" i="0" u="none" strike="noStrike" kern="1200" cap="none" spc="0" normalizeH="0" baseline="0" noProof="0" dirty="0">
+                    <a:ln>
+                      <a:noFill/>
+                    </a:ln>
+                    <a:solidFill>
+                      <a:srgbClr val="000000"/>
+                    </a:solidFill>
+                    <a:effectLst/>
+                    <a:uLnTx/>
+                    <a:uFillTx/>
+                    <a:latin typeface="Segoe UI"/>
+                    <a:ea typeface="+mn-ea"/>
+                    <a:cs typeface="+mn-cs"/>
+                  </a:rPr>
+                  <a:t>Trends, summaries</a:t>
+                </a:r>
+              </a:p>
+            </p:txBody>
+          </p:sp>
+          <p:sp>
+            <p:nvSpPr>
+              <p:cNvPr id="26" name="TextBox 25">
+                <a:extLst>
+                  <a:ext uri="{FF2B5EF4-FFF2-40B4-BE49-F238E27FC236}">
+                    <a16:creationId xmlns:a16="http://schemas.microsoft.com/office/drawing/2014/main" id="{CA37A257-5E29-1814-466D-CF540470B0C4}"/>
+                  </a:ext>
+                </a:extLst>
+              </p:cNvPr>
+              <p:cNvSpPr txBox="1"/>
+              <p:nvPr/>
+            </p:nvSpPr>
+            <p:spPr>
+              <a:xfrm>
+                <a:off x="1788457" y="4964294"/>
+                <a:ext cx="1126859" cy="432548"/>
+              </a:xfrm>
+              <a:prstGeom prst="rect">
+                <a:avLst/>
+              </a:prstGeom>
+              <a:noFill/>
+            </p:spPr>
+            <p:txBody>
+              <a:bodyPr wrap="square" lIns="0" tIns="0" rIns="0" bIns="0" rtlCol="0">
+                <a:spAutoFit/>
+              </a:bodyPr>
+              <a:lstStyle/>
+              <a:p>
+                <a:pPr marL="0" marR="0" lvl="0" indent="0" algn="l" defTabSz="914367" rtl="0" eaLnBrk="1" fontAlgn="auto" latinLnBrk="0" hangingPunct="1">
+                  <a:lnSpc>
+                    <a:spcPct val="100000"/>
+                  </a:lnSpc>
+                  <a:spcBef>
+                    <a:spcPts val="0"/>
+                  </a:spcBef>
+                  <a:spcAft>
+                    <a:spcPts val="0"/>
+                  </a:spcAft>
+                  <a:buClrTx/>
+                  <a:buSzTx/>
+                  <a:buFontTx/>
+                  <a:buNone/>
+                  <a:tabLst/>
+                  <a:defRPr/>
+                </a:pPr>
+                <a:r>
+                  <a:rPr kumimoji="0" lang="en-GB" sz="2000" b="0" i="0" u="none" strike="noStrike" kern="1200" cap="none" spc="0" normalizeH="0" baseline="0" noProof="0" dirty="0">
+                    <a:ln>
+                      <a:noFill/>
+                    </a:ln>
+                    <a:solidFill>
+                      <a:srgbClr val="000000"/>
+                    </a:solidFill>
+                    <a:effectLst/>
+                    <a:uLnTx/>
+                    <a:uFillTx/>
+                    <a:latin typeface="Segoe UI"/>
+                    <a:ea typeface="+mn-ea"/>
+                    <a:cs typeface="+mn-cs"/>
+                  </a:rPr>
+                  <a:t>Detailed </a:t>
+                </a:r>
+              </a:p>
+              <a:p>
+                <a:pPr marL="0" marR="0" lvl="0" indent="0" algn="l" defTabSz="914367" rtl="0" eaLnBrk="1" fontAlgn="auto" latinLnBrk="0" hangingPunct="1">
+                  <a:lnSpc>
+                    <a:spcPct val="100000"/>
+                  </a:lnSpc>
+                  <a:spcBef>
+                    <a:spcPts val="0"/>
+                  </a:spcBef>
+                  <a:spcAft>
+                    <a:spcPts val="0"/>
+                  </a:spcAft>
+                  <a:buClrTx/>
+                  <a:buSzTx/>
+                  <a:buFontTx/>
+                  <a:buNone/>
+                  <a:tabLst/>
+                  <a:defRPr/>
+                </a:pPr>
+                <a:r>
+                  <a:rPr kumimoji="0" lang="en-GB" sz="2000" b="0" i="0" u="none" strike="noStrike" kern="1200" cap="none" spc="0" normalizeH="0" baseline="0" noProof="0" dirty="0">
+                    <a:ln>
+                      <a:noFill/>
+                    </a:ln>
+                    <a:solidFill>
+                      <a:srgbClr val="000000"/>
+                    </a:solidFill>
+                    <a:effectLst/>
+                    <a:uLnTx/>
+                    <a:uFillTx/>
+                    <a:latin typeface="Segoe UI"/>
+                    <a:ea typeface="+mn-ea"/>
+                    <a:cs typeface="+mn-cs"/>
+                  </a:rPr>
+                  <a:t>data</a:t>
+                </a:r>
+              </a:p>
+            </p:txBody>
+          </p:sp>
+          <p:pic>
+            <p:nvPicPr>
+              <p:cNvPr id="28" name="Graphic 27" descr="Electrician female with solid fill">
+                <a:extLst>
+                  <a:ext uri="{FF2B5EF4-FFF2-40B4-BE49-F238E27FC236}">
+                    <a16:creationId xmlns:a16="http://schemas.microsoft.com/office/drawing/2014/main" id="{09B23851-D617-5D3C-DA88-0C7B1D26587B}"/>
+                  </a:ext>
+                </a:extLst>
+              </p:cNvPr>
+              <p:cNvPicPr>
+                <a:picLocks noChangeAspect="1"/>
+              </p:cNvPicPr>
+              <p:nvPr/>
+            </p:nvPicPr>
+            <p:blipFill>
+              <a:blip r:embed="rId2">
+                <a:extLst>
+                  <a:ext uri="{96DAC541-7B7A-43D3-8B79-37D633B846F1}">
+                    <asvg:svgBlip xmlns:asvg="http://schemas.microsoft.com/office/drawing/2016/SVG/main" r:embed="rId3"/>
+                  </a:ext>
+                </a:extLst>
+              </a:blip>
+              <a:stretch>
+                <a:fillRect/>
+              </a:stretch>
+            </p:blipFill>
+            <p:spPr>
+              <a:xfrm>
+                <a:off x="2862623" y="5105391"/>
+                <a:ext cx="800817" cy="800817"/>
+              </a:xfrm>
+              <a:prstGeom prst="rect">
+                <a:avLst/>
+              </a:prstGeom>
+            </p:spPr>
+          </p:pic>
+          <p:pic>
+            <p:nvPicPr>
+              <p:cNvPr id="18" name="Graphic 17" descr="Board Of Directors with solid fill">
+                <a:extLst>
+                  <a:ext uri="{FF2B5EF4-FFF2-40B4-BE49-F238E27FC236}">
+                    <a16:creationId xmlns:a16="http://schemas.microsoft.com/office/drawing/2014/main" id="{FDACD1C1-90DA-7D1D-B012-6A3108F514D4}"/>
+                  </a:ext>
+                </a:extLst>
+              </p:cNvPr>
+              <p:cNvPicPr>
+                <a:picLocks noChangeAspect="1"/>
+              </p:cNvPicPr>
+              <p:nvPr/>
+            </p:nvPicPr>
+            <p:blipFill>
+              <a:blip r:embed="rId4">
+                <a:extLst>
+                  <a:ext uri="{96DAC541-7B7A-43D3-8B79-37D633B846F1}">
+                    <asvg:svgBlip xmlns:asvg="http://schemas.microsoft.com/office/drawing/2016/SVG/main" r:embed="rId5"/>
+                  </a:ext>
+                </a:extLst>
+              </a:blip>
+              <a:stretch>
+                <a:fillRect/>
+              </a:stretch>
+            </p:blipFill>
+            <p:spPr>
+              <a:xfrm>
+                <a:off x="4488980" y="2503405"/>
+                <a:ext cx="678382" cy="678382"/>
+              </a:xfrm>
+              <a:prstGeom prst="rect">
+                <a:avLst/>
+              </a:prstGeom>
+            </p:spPr>
+          </p:pic>
+          <p:pic>
+            <p:nvPicPr>
+              <p:cNvPr id="29" name="Graphic 28" descr="Desk with solid fill">
+                <a:extLst>
+                  <a:ext uri="{FF2B5EF4-FFF2-40B4-BE49-F238E27FC236}">
+                    <a16:creationId xmlns:a16="http://schemas.microsoft.com/office/drawing/2014/main" id="{F4E37B16-74B8-7452-9DDA-558F3C371BA4}"/>
+                  </a:ext>
+                </a:extLst>
+              </p:cNvPr>
+              <p:cNvPicPr>
+                <a:picLocks noChangeAspect="1"/>
+              </p:cNvPicPr>
+              <p:nvPr/>
+            </p:nvPicPr>
+            <p:blipFill>
+              <a:blip r:embed="rId6">
+                <a:extLst>
+                  <a:ext uri="{96DAC541-7B7A-43D3-8B79-37D633B846F1}">
+                    <asvg:svgBlip xmlns:asvg="http://schemas.microsoft.com/office/drawing/2016/SVG/main" r:embed="rId7"/>
+                  </a:ext>
+                </a:extLst>
+              </a:blip>
+              <a:stretch>
+                <a:fillRect/>
+              </a:stretch>
+            </p:blipFill>
+            <p:spPr>
+              <a:xfrm>
+                <a:off x="3690938" y="3833860"/>
+                <a:ext cx="719195" cy="719195"/>
+              </a:xfrm>
+              <a:prstGeom prst="rect">
+                <a:avLst/>
+              </a:prstGeom>
+            </p:spPr>
+          </p:pic>
+          <p:pic>
+            <p:nvPicPr>
+              <p:cNvPr id="31" name="Graphic 30" descr="Group with solid fill">
+                <a:extLst>
+                  <a:ext uri="{FF2B5EF4-FFF2-40B4-BE49-F238E27FC236}">
+                    <a16:creationId xmlns:a16="http://schemas.microsoft.com/office/drawing/2014/main" id="{8694F882-475A-BB84-6F3F-6A4A7EA03228}"/>
+                  </a:ext>
+                </a:extLst>
+              </p:cNvPr>
+              <p:cNvPicPr>
+                <a:picLocks noChangeAspect="1"/>
+              </p:cNvPicPr>
+              <p:nvPr/>
+            </p:nvPicPr>
+            <p:blipFill>
+              <a:blip r:embed="rId8">
+                <a:extLst>
+                  <a:ext uri="{96DAC541-7B7A-43D3-8B79-37D633B846F1}">
+                    <asvg:svgBlip xmlns:asvg="http://schemas.microsoft.com/office/drawing/2016/SVG/main" r:embed="rId9"/>
+                  </a:ext>
+                </a:extLst>
+              </a:blip>
+              <a:stretch>
+                <a:fillRect/>
+              </a:stretch>
+            </p:blipFill>
+            <p:spPr>
+              <a:xfrm>
+                <a:off x="4379527" y="5020811"/>
+                <a:ext cx="890811" cy="890811"/>
+              </a:xfrm>
+              <a:prstGeom prst="rect">
+                <a:avLst/>
+              </a:prstGeom>
+            </p:spPr>
+          </p:pic>
+          <p:pic>
+            <p:nvPicPr>
+              <p:cNvPr id="33" name="Graphic 32" descr="Boardroom with solid fill">
+                <a:extLst>
+                  <a:ext uri="{FF2B5EF4-FFF2-40B4-BE49-F238E27FC236}">
+                    <a16:creationId xmlns:a16="http://schemas.microsoft.com/office/drawing/2014/main" id="{07076934-7964-C262-E0F1-8F83EBD83287}"/>
+                  </a:ext>
+                </a:extLst>
+              </p:cNvPr>
+              <p:cNvPicPr>
+                <a:picLocks noChangeAspect="1"/>
+              </p:cNvPicPr>
+              <p:nvPr/>
+            </p:nvPicPr>
+            <p:blipFill>
+              <a:blip r:embed="rId10">
+                <a:extLst>
+                  <a:ext uri="{96DAC541-7B7A-43D3-8B79-37D633B846F1}">
+                    <asvg:svgBlip xmlns:asvg="http://schemas.microsoft.com/office/drawing/2016/SVG/main" r:embed="rId11"/>
+                  </a:ext>
+                </a:extLst>
+              </a:blip>
+              <a:stretch>
+                <a:fillRect/>
+              </a:stretch>
+            </p:blipFill>
+            <p:spPr>
+              <a:xfrm>
+                <a:off x="5345355" y="3833859"/>
+                <a:ext cx="719195" cy="719195"/>
+              </a:xfrm>
+              <a:prstGeom prst="rect">
+                <a:avLst/>
+              </a:prstGeom>
+            </p:spPr>
+          </p:pic>
+          <p:pic>
+            <p:nvPicPr>
+              <p:cNvPr id="35" name="Graphic 34" descr="Group brainstorm with solid fill">
+                <a:extLst>
+                  <a:ext uri="{FF2B5EF4-FFF2-40B4-BE49-F238E27FC236}">
+                    <a16:creationId xmlns:a16="http://schemas.microsoft.com/office/drawing/2014/main" id="{7F45CDAD-6B3F-4EC7-7C0B-78101DF8A567}"/>
+                  </a:ext>
+                </a:extLst>
+              </p:cNvPr>
+              <p:cNvPicPr>
+                <a:picLocks noChangeAspect="1"/>
+              </p:cNvPicPr>
+              <p:nvPr/>
+            </p:nvPicPr>
+            <p:blipFill>
+              <a:blip r:embed="rId12">
+                <a:extLst>
+                  <a:ext uri="{96DAC541-7B7A-43D3-8B79-37D633B846F1}">
+                    <asvg:svgBlip xmlns:asvg="http://schemas.microsoft.com/office/drawing/2016/SVG/main" r:embed="rId13"/>
+                  </a:ext>
+                </a:extLst>
+              </a:blip>
+              <a:stretch>
+                <a:fillRect/>
+              </a:stretch>
+            </p:blipFill>
+            <p:spPr>
+              <a:xfrm>
+                <a:off x="5942073" y="5128913"/>
+                <a:ext cx="721653" cy="721653"/>
+              </a:xfrm>
+              <a:prstGeom prst="rect">
+                <a:avLst/>
+              </a:prstGeom>
+            </p:spPr>
+          </p:pic>
+        </p:grpSp>
+      </p:grpSp>
+    </p:spTree>
+    <p:extLst>
+      <p:ext uri="{BB962C8B-B14F-4D97-AF65-F5344CB8AC3E}">
+        <p14:creationId xmlns:p14="http://schemas.microsoft.com/office/powerpoint/2010/main" val="3969879384"/>
+      </p:ext>
+    </p:extLst>
+  </p:cSld>
+  <p:clrMapOvr>
+    <a:masterClrMapping/>
+  </p:clrMapOvr>
+</p:sld>
+</file>
+
+<file path=ppt/slides/slide2.xml><?xml version="1.0" encoding="utf-8"?>
+<p:sld xmlns:a="http://schemas.openxmlformats.org/drawingml/2006/main" xmlns:r="http://schemas.openxmlformats.org/officeDocument/2006/relationships" xmlns:p="http://schemas.openxmlformats.org/presentationml/2006/main">
+  <p:cSld>
+    <p:spTree>
+      <p:nvGrpSpPr>
+        <p:cNvPr id="1" name=""/>
+        <p:cNvGrpSpPr/>
+        <p:nvPr/>
+      </p:nvGrpSpPr>
+      <p:grpSpPr>
+        <a:xfrm>
+          <a:off x="0" y="0"/>
+          <a:ext cx="0" cy="0"/>
+          <a:chOff x="0" y="0"/>
+          <a:chExt cx="0" cy="0"/>
+        </a:xfrm>
+      </p:grpSpPr>
+      <p:grpSp>
+        <p:nvGrpSpPr>
           <p:cNvPr id="11" name="Group 10">
             <a:extLst>
               <a:ext uri="{FF2B5EF4-FFF2-40B4-BE49-F238E27FC236}">
@@ -8274,6 +9610,169 @@
           </p:txBody>
         </p:sp>
       </p:grpSp>
+      <p:sp>
+        <p:nvSpPr>
+          <p:cNvPr id="14" name="TextBox 13">
+            <a:extLst>
+              <a:ext uri="{FF2B5EF4-FFF2-40B4-BE49-F238E27FC236}">
+                <a16:creationId xmlns:a16="http://schemas.microsoft.com/office/drawing/2014/main" id="{D34E4F1D-FA25-9D09-C910-72C92FD4AB56}"/>
+              </a:ext>
+            </a:extLst>
+          </p:cNvPr>
+          <p:cNvSpPr txBox="1"/>
+          <p:nvPr/>
+        </p:nvSpPr>
+        <p:spPr>
+          <a:xfrm>
+            <a:off x="9167789" y="1228093"/>
+            <a:ext cx="2754588" cy="707886"/>
+          </a:xfrm>
+          <a:prstGeom prst="rect">
+            <a:avLst/>
+          </a:prstGeom>
+          <a:grpFill/>
+          <a:ln w="28575">
+            <a:noFill/>
+            <a:headEnd type="none" w="med" len="med"/>
+            <a:tailEnd type="none" w="med" len="med"/>
+          </a:ln>
+          <a:effectLst/>
+        </p:spPr>
+        <p:style>
+          <a:lnRef idx="1">
+            <a:schemeClr val="accent2"/>
+          </a:lnRef>
+          <a:fillRef idx="3">
+            <a:schemeClr val="accent2"/>
+          </a:fillRef>
+          <a:effectRef idx="2">
+            <a:schemeClr val="accent2"/>
+          </a:effectRef>
+          <a:fontRef idx="minor">
+            <a:schemeClr val="lt1"/>
+          </a:fontRef>
+        </p:style>
+        <p:txBody>
+          <a:bodyPr rot="0" spcFirstLastPara="0" vertOverflow="overflow" horzOverflow="overflow" vert="horz" wrap="square" lIns="182880" tIns="146304" rIns="182880" bIns="146304" numCol="1" spcCol="0" rtlCol="0" fromWordArt="0" anchor="t" anchorCtr="0" forceAA="0" compatLnSpc="1">
+            <a:prstTxWarp prst="textNoShape">
+              <a:avLst/>
+            </a:prstTxWarp>
+            <a:noAutofit/>
+          </a:bodyPr>
+          <a:lstStyle>
+            <a:defPPr>
+              <a:defRPr lang="en-US"/>
+            </a:defPPr>
+            <a:lvl1pPr marR="0" lvl="0" indent="0" defTabSz="932472" fontAlgn="base">
+              <a:lnSpc>
+                <a:spcPct val="100000"/>
+              </a:lnSpc>
+              <a:spcBef>
+                <a:spcPct val="0"/>
+              </a:spcBef>
+              <a:spcAft>
+                <a:spcPct val="0"/>
+              </a:spcAft>
+              <a:buClrTx/>
+              <a:buSzTx/>
+              <a:buFontTx/>
+              <a:buNone/>
+              <a:tabLst/>
+              <a:defRPr kumimoji="0" sz="2000" b="0" i="0" u="none" strike="noStrike" cap="none" spc="0" normalizeH="0" baseline="0">
+                <a:ln>
+                  <a:noFill/>
+                </a:ln>
+                <a:solidFill>
+                  <a:srgbClr val="FFFFFF"/>
+                </a:solidFill>
+                <a:effectLst/>
+                <a:uLnTx/>
+                <a:uFillTx/>
+                <a:latin typeface="Segoe UI"/>
+                <a:ea typeface="Segoe UI" pitchFamily="34" charset="0"/>
+                <a:cs typeface="Segoe UI" pitchFamily="34" charset="0"/>
+              </a:defRPr>
+            </a:lvl1pPr>
+            <a:lvl2pPr>
+              <a:defRPr>
+                <a:solidFill>
+                  <a:schemeClr val="lt1"/>
+                </a:solidFill>
+              </a:defRPr>
+            </a:lvl2pPr>
+            <a:lvl3pPr>
+              <a:defRPr>
+                <a:solidFill>
+                  <a:schemeClr val="lt1"/>
+                </a:solidFill>
+              </a:defRPr>
+            </a:lvl3pPr>
+            <a:lvl4pPr>
+              <a:defRPr>
+                <a:solidFill>
+                  <a:schemeClr val="lt1"/>
+                </a:solidFill>
+              </a:defRPr>
+            </a:lvl4pPr>
+            <a:lvl5pPr>
+              <a:defRPr>
+                <a:solidFill>
+                  <a:schemeClr val="lt1"/>
+                </a:solidFill>
+              </a:defRPr>
+            </a:lvl5pPr>
+            <a:lvl6pPr>
+              <a:defRPr>
+                <a:solidFill>
+                  <a:schemeClr val="lt1"/>
+                </a:solidFill>
+              </a:defRPr>
+            </a:lvl6pPr>
+            <a:lvl7pPr>
+              <a:defRPr>
+                <a:solidFill>
+                  <a:schemeClr val="lt1"/>
+                </a:solidFill>
+              </a:defRPr>
+            </a:lvl7pPr>
+            <a:lvl8pPr>
+              <a:defRPr>
+                <a:solidFill>
+                  <a:schemeClr val="lt1"/>
+                </a:solidFill>
+              </a:defRPr>
+            </a:lvl8pPr>
+            <a:lvl9pPr>
+              <a:defRPr>
+                <a:solidFill>
+                  <a:schemeClr val="lt1"/>
+                </a:solidFill>
+              </a:defRPr>
+            </a:lvl9pPr>
+          </a:lstStyle>
+          <a:p>
+            <a:r>
+              <a:rPr lang="en-US" sz="1800" b="1" dirty="0">
+                <a:solidFill>
+                  <a:prstClr val="black"/>
+                </a:solidFill>
+                <a:latin typeface="Calibri" panose="020F0502020204030204" pitchFamily="34" charset="0"/>
+                <a:ea typeface="Calibri" panose="020F0502020204030204" pitchFamily="34" charset="0"/>
+                <a:cs typeface="Arial" panose="020B0604020202020204" pitchFamily="34" charset="0"/>
+              </a:rPr>
+              <a:t>Typical ways to consume data</a:t>
+            </a:r>
+            <a:endParaRPr lang="en-DK" sz="1800" b="1" dirty="0">
+              <a:solidFill>
+                <a:prstClr val="black"/>
+              </a:solidFill>
+              <a:latin typeface="Calibri" panose="020F0502020204030204" pitchFamily="34" charset="0"/>
+              <a:ea typeface="Calibri" panose="020F0502020204030204" pitchFamily="34" charset="0"/>
+              <a:cs typeface="Arial" panose="020B0604020202020204" pitchFamily="34" charset="0"/>
+            </a:endParaRPr>
+          </a:p>
+        </p:txBody>
+      </p:sp>
       <p:grpSp>
         <p:nvGrpSpPr>
           <p:cNvPr id="2" name="Group 1">
@@ -9407,10 +10906,329 @@
           </p:spPr>
         </p:pic>
       </p:grpSp>
+      <p:sp>
+        <p:nvSpPr>
+          <p:cNvPr id="36" name="TextBox 35">
+            <a:extLst>
+              <a:ext uri="{FF2B5EF4-FFF2-40B4-BE49-F238E27FC236}">
+                <a16:creationId xmlns:a16="http://schemas.microsoft.com/office/drawing/2014/main" id="{1A91D2C7-447B-28E1-3000-7A69EA4BF555}"/>
+              </a:ext>
+            </a:extLst>
+          </p:cNvPr>
+          <p:cNvSpPr txBox="1"/>
+          <p:nvPr/>
+        </p:nvSpPr>
+        <p:spPr>
+          <a:xfrm>
+            <a:off x="9251376" y="5157281"/>
+            <a:ext cx="2814040" cy="707886"/>
+          </a:xfrm>
+          <a:prstGeom prst="rect">
+            <a:avLst/>
+          </a:prstGeom>
+          <a:solidFill>
+            <a:schemeClr val="bg1">
+              <a:alpha val="87000"/>
+            </a:schemeClr>
+          </a:solidFill>
+        </p:spPr>
+        <p:txBody>
+          <a:bodyPr wrap="square">
+            <a:spAutoFit/>
+          </a:bodyPr>
+          <a:lstStyle/>
+          <a:p>
+            <a:pPr marL="0" marR="0" lvl="0" indent="0" algn="l" defTabSz="914400" rtl="0" eaLnBrk="1" fontAlgn="auto" latinLnBrk="0" hangingPunct="1">
+              <a:lnSpc>
+                <a:spcPct val="100000"/>
+              </a:lnSpc>
+              <a:spcBef>
+                <a:spcPts val="0"/>
+              </a:spcBef>
+              <a:spcAft>
+                <a:spcPts val="0"/>
+              </a:spcAft>
+              <a:buClrTx/>
+              <a:buSzTx/>
+              <a:buFontTx/>
+              <a:buNone/>
+              <a:tabLst/>
+              <a:defRPr/>
+            </a:pPr>
+            <a:r>
+              <a:rPr lang="en-US" sz="2000" dirty="0">
+                <a:latin typeface="Segoe UI"/>
+                <a:cs typeface="Segoe UI" pitchFamily="34" charset="0"/>
+              </a:rPr>
+              <a:t>Operational reports</a:t>
+            </a:r>
+          </a:p>
+          <a:p>
+            <a:pPr marL="0" marR="0" lvl="0" indent="0" algn="l" defTabSz="914400" rtl="0" eaLnBrk="1" fontAlgn="auto" latinLnBrk="0" hangingPunct="1">
+              <a:lnSpc>
+                <a:spcPct val="100000"/>
+              </a:lnSpc>
+              <a:spcBef>
+                <a:spcPts val="0"/>
+              </a:spcBef>
+              <a:spcAft>
+                <a:spcPts val="0"/>
+              </a:spcAft>
+              <a:buClrTx/>
+              <a:buSzTx/>
+              <a:buFontTx/>
+              <a:buNone/>
+              <a:tabLst/>
+              <a:defRPr/>
+            </a:pPr>
+            <a:r>
+              <a:rPr lang="en-US" sz="2000" dirty="0">
+                <a:latin typeface="Segoe UI"/>
+                <a:cs typeface="Segoe UI" pitchFamily="34" charset="0"/>
+              </a:rPr>
+              <a:t>On-screen task data</a:t>
+            </a:r>
+          </a:p>
+        </p:txBody>
+      </p:sp>
+      <p:sp>
+        <p:nvSpPr>
+          <p:cNvPr id="37" name="TextBox 36">
+            <a:extLst>
+              <a:ext uri="{FF2B5EF4-FFF2-40B4-BE49-F238E27FC236}">
+                <a16:creationId xmlns:a16="http://schemas.microsoft.com/office/drawing/2014/main" id="{6A204B1B-87A6-76DB-285C-D219163CE586}"/>
+              </a:ext>
+            </a:extLst>
+          </p:cNvPr>
+          <p:cNvSpPr txBox="1"/>
+          <p:nvPr/>
+        </p:nvSpPr>
+        <p:spPr>
+          <a:xfrm>
+            <a:off x="9229640" y="3892080"/>
+            <a:ext cx="2776325" cy="707886"/>
+          </a:xfrm>
+          <a:prstGeom prst="rect">
+            <a:avLst/>
+          </a:prstGeom>
+          <a:solidFill>
+            <a:schemeClr val="bg1">
+              <a:alpha val="87000"/>
+            </a:schemeClr>
+          </a:solidFill>
+        </p:spPr>
+        <p:txBody>
+          <a:bodyPr wrap="square" lIns="91440" tIns="45720" rIns="91440" bIns="45720" anchor="t">
+            <a:spAutoFit/>
+          </a:bodyPr>
+          <a:lstStyle/>
+          <a:p>
+            <a:pPr marL="0" marR="0" lvl="0" indent="0" algn="l" defTabSz="914400" rtl="0" eaLnBrk="1" fontAlgn="auto" latinLnBrk="0" hangingPunct="1">
+              <a:lnSpc>
+                <a:spcPct val="100000"/>
+              </a:lnSpc>
+              <a:spcBef>
+                <a:spcPts val="0"/>
+              </a:spcBef>
+              <a:spcAft>
+                <a:spcPts val="0"/>
+              </a:spcAft>
+              <a:buClrTx/>
+              <a:buSzTx/>
+              <a:buFontTx/>
+              <a:buNone/>
+              <a:tabLst/>
+              <a:defRPr/>
+            </a:pPr>
+            <a:r>
+              <a:rPr lang="en-US" sz="2000" dirty="0">
+                <a:latin typeface="Segoe UI"/>
+                <a:cs typeface="Segoe UI" pitchFamily="34" charset="0"/>
+              </a:rPr>
+              <a:t>Managerial reports</a:t>
+            </a:r>
+          </a:p>
+          <a:p>
+            <a:pPr marL="0" marR="0" lvl="0" indent="0" algn="l" defTabSz="914400" rtl="0" eaLnBrk="1" fontAlgn="auto" latinLnBrk="0" hangingPunct="1">
+              <a:lnSpc>
+                <a:spcPct val="100000"/>
+              </a:lnSpc>
+              <a:spcBef>
+                <a:spcPts val="0"/>
+              </a:spcBef>
+              <a:spcAft>
+                <a:spcPts val="0"/>
+              </a:spcAft>
+              <a:buClrTx/>
+              <a:buSzTx/>
+              <a:buFontTx/>
+              <a:buNone/>
+              <a:tabLst/>
+              <a:defRPr/>
+            </a:pPr>
+            <a:r>
+              <a:rPr lang="en-US" sz="2000" dirty="0">
+                <a:latin typeface="Segoe UI"/>
+                <a:cs typeface="Segoe UI" pitchFamily="34" charset="0"/>
+              </a:rPr>
+              <a:t>Ad-hoc analysis</a:t>
+            </a:r>
+          </a:p>
+        </p:txBody>
+      </p:sp>
+      <p:sp>
+        <p:nvSpPr>
+          <p:cNvPr id="38" name="TextBox 37">
+            <a:extLst>
+              <a:ext uri="{FF2B5EF4-FFF2-40B4-BE49-F238E27FC236}">
+                <a16:creationId xmlns:a16="http://schemas.microsoft.com/office/drawing/2014/main" id="{D0FD0E4D-894D-D18E-9272-D62F57E7B563}"/>
+              </a:ext>
+            </a:extLst>
+          </p:cNvPr>
+          <p:cNvSpPr txBox="1"/>
+          <p:nvPr/>
+        </p:nvSpPr>
+        <p:spPr>
+          <a:xfrm>
+            <a:off x="9251376" y="2153081"/>
+            <a:ext cx="2754589" cy="1015663"/>
+          </a:xfrm>
+          <a:prstGeom prst="rect">
+            <a:avLst/>
+          </a:prstGeom>
+          <a:solidFill>
+            <a:schemeClr val="bg1">
+              <a:alpha val="87000"/>
+            </a:schemeClr>
+          </a:solidFill>
+        </p:spPr>
+        <p:txBody>
+          <a:bodyPr wrap="square">
+            <a:spAutoFit/>
+          </a:bodyPr>
+          <a:lstStyle>
+            <a:defPPr>
+              <a:defRPr lang="en-DK"/>
+            </a:defPPr>
+            <a:lvl1pPr marR="0" lvl="0" indent="0" fontAlgn="auto">
+              <a:lnSpc>
+                <a:spcPct val="100000"/>
+              </a:lnSpc>
+              <a:spcBef>
+                <a:spcPts val="0"/>
+              </a:spcBef>
+              <a:spcAft>
+                <a:spcPts val="0"/>
+              </a:spcAft>
+              <a:buClrTx/>
+              <a:buSzTx/>
+              <a:buFontTx/>
+              <a:buNone/>
+              <a:tabLst/>
+              <a:defRPr sz="2800" b="1">
+                <a:solidFill>
+                  <a:schemeClr val="accent5">
+                    <a:lumMod val="75000"/>
+                  </a:schemeClr>
+                </a:solidFill>
+                <a:latin typeface="Calibri" panose="020F0502020204030204" pitchFamily="34" charset="0"/>
+                <a:cs typeface="Arial" panose="020B0604020202020204" pitchFamily="34" charset="0"/>
+              </a:defRPr>
+            </a:lvl1pPr>
+          </a:lstStyle>
+          <a:p>
+            <a:pPr marL="0" marR="0" lvl="0" indent="0" algn="l" defTabSz="914400" rtl="0" eaLnBrk="1" fontAlgn="auto" latinLnBrk="0" hangingPunct="1">
+              <a:lnSpc>
+                <a:spcPct val="100000"/>
+              </a:lnSpc>
+              <a:spcBef>
+                <a:spcPts val="0"/>
+              </a:spcBef>
+              <a:spcAft>
+                <a:spcPts val="0"/>
+              </a:spcAft>
+              <a:buClrTx/>
+              <a:buSzTx/>
+              <a:buFontTx/>
+              <a:buNone/>
+              <a:tabLst/>
+              <a:defRPr/>
+            </a:pPr>
+            <a:r>
+              <a:rPr lang="en-US" sz="2000" b="0" dirty="0">
+                <a:solidFill>
+                  <a:schemeClr val="tx1"/>
+                </a:solidFill>
+                <a:latin typeface="Segoe UI"/>
+                <a:cs typeface="Segoe UI" pitchFamily="34" charset="0"/>
+              </a:rPr>
+              <a:t>KPIs</a:t>
+            </a:r>
+          </a:p>
+          <a:p>
+            <a:pPr marL="0" marR="0" lvl="0" indent="0" algn="l" defTabSz="914400" rtl="0" eaLnBrk="1" fontAlgn="auto" latinLnBrk="0" hangingPunct="1">
+              <a:lnSpc>
+                <a:spcPct val="100000"/>
+              </a:lnSpc>
+              <a:spcBef>
+                <a:spcPts val="0"/>
+              </a:spcBef>
+              <a:spcAft>
+                <a:spcPts val="0"/>
+              </a:spcAft>
+              <a:buClrTx/>
+              <a:buSzTx/>
+              <a:buFontTx/>
+              <a:buNone/>
+              <a:tabLst/>
+              <a:defRPr/>
+            </a:pPr>
+            <a:r>
+              <a:rPr lang="en-US" sz="2000" b="0" dirty="0">
+                <a:solidFill>
+                  <a:schemeClr val="tx1"/>
+                </a:solidFill>
+                <a:latin typeface="Segoe UI"/>
+                <a:cs typeface="Segoe UI" pitchFamily="34" charset="0"/>
+              </a:rPr>
+              <a:t>Dashboards</a:t>
+            </a:r>
+          </a:p>
+          <a:p>
+            <a:pPr marL="0" marR="0" lvl="0" indent="0" algn="l" defTabSz="914400" rtl="0" eaLnBrk="1" fontAlgn="auto" latinLnBrk="0" hangingPunct="1">
+              <a:lnSpc>
+                <a:spcPct val="100000"/>
+              </a:lnSpc>
+              <a:spcBef>
+                <a:spcPts val="0"/>
+              </a:spcBef>
+              <a:spcAft>
+                <a:spcPts val="0"/>
+              </a:spcAft>
+              <a:buClrTx/>
+              <a:buSzTx/>
+              <a:buFontTx/>
+              <a:buNone/>
+              <a:tabLst/>
+              <a:defRPr/>
+            </a:pPr>
+            <a:r>
+              <a:rPr lang="en-US" sz="2000" b="0" dirty="0">
+                <a:solidFill>
+                  <a:schemeClr val="tx1"/>
+                </a:solidFill>
+                <a:latin typeface="Segoe UI"/>
+                <a:cs typeface="Segoe UI" pitchFamily="34" charset="0"/>
+              </a:rPr>
+              <a:t>Financial reports</a:t>
+            </a:r>
+          </a:p>
+        </p:txBody>
+      </p:sp>
     </p:spTree>
     <p:extLst>
       <p:ext uri="{BB962C8B-B14F-4D97-AF65-F5344CB8AC3E}">
-        <p14:creationId xmlns:p14="http://schemas.microsoft.com/office/powerpoint/2010/main" val="3969879384"/>
+        <p14:creationId xmlns:p14="http://schemas.microsoft.com/office/powerpoint/2010/main" val="3695542451"/>
       </p:ext>
     </p:extLst>
   </p:cSld>
@@ -9420,7 +11238,7 @@
 </p:sld>
 </file>
 
-<file path=ppt/slides/slide2.xml><?xml version="1.0" encoding="utf-8"?>
+<file path=ppt/slides/slide3.xml><?xml version="1.0" encoding="utf-8"?>
 <p:sld xmlns:a="http://schemas.openxmlformats.org/drawingml/2006/main" xmlns:r="http://schemas.openxmlformats.org/officeDocument/2006/relationships" xmlns:p="http://schemas.openxmlformats.org/presentationml/2006/main">
   <p:cSld>
     <p:spTree>
@@ -9598,8 +11416,8 @@
         </p:nvSpPr>
         <p:spPr>
           <a:xfrm>
-            <a:off x="9167789" y="1228093"/>
-            <a:ext cx="2754588" cy="707886"/>
+            <a:off x="9018576" y="1228093"/>
+            <a:ext cx="3115430" cy="707886"/>
           </a:xfrm>
           <a:prstGeom prst="rect">
             <a:avLst/>
@@ -9725,7 +11543,6 @@
             </a:lvl9pPr>
           </a:lstStyle>
           <a:p>
-            <a:pPr/>
             <a:r>
               <a:rPr lang="en-US" sz="1800" b="1" dirty="0">
                 <a:solidFill>
@@ -9735,7 +11552,7 @@
                 <a:ea typeface="Calibri" panose="020F0502020204030204" pitchFamily="34" charset="0"/>
                 <a:cs typeface="Arial" panose="020B0604020202020204" pitchFamily="34" charset="0"/>
               </a:rPr>
-              <a:t>Typical ways to consume data</a:t>
+              <a:t>Typical ways to consume data (and tools to support it)</a:t>
             </a:r>
             <a:endParaRPr lang="en-DK" sz="1800" b="1" dirty="0">
               <a:solidFill>
@@ -11200,1799 +13017,6 @@
           </a:p>
         </p:txBody>
       </p:sp>
-    </p:spTree>
-    <p:extLst>
-      <p:ext uri="{BB962C8B-B14F-4D97-AF65-F5344CB8AC3E}">
-        <p14:creationId xmlns:p14="http://schemas.microsoft.com/office/powerpoint/2010/main" val="3695542451"/>
-      </p:ext>
-    </p:extLst>
-  </p:cSld>
-  <p:clrMapOvr>
-    <a:masterClrMapping/>
-  </p:clrMapOvr>
-</p:sld>
-</file>
-
-<file path=ppt/slides/slide3.xml><?xml version="1.0" encoding="utf-8"?>
-<p:sld xmlns:a="http://schemas.openxmlformats.org/drawingml/2006/main" xmlns:r="http://schemas.openxmlformats.org/officeDocument/2006/relationships" xmlns:p="http://schemas.openxmlformats.org/presentationml/2006/main">
-  <p:cSld>
-    <p:spTree>
-      <p:nvGrpSpPr>
-        <p:cNvPr id="1" name=""/>
-        <p:cNvGrpSpPr/>
-        <p:nvPr/>
-      </p:nvGrpSpPr>
-      <p:grpSpPr>
-        <a:xfrm>
-          <a:off x="0" y="0"/>
-          <a:ext cx="0" cy="0"/>
-          <a:chOff x="0" y="0"/>
-          <a:chExt cx="0" cy="0"/>
-        </a:xfrm>
-      </p:grpSpPr>
-      <p:grpSp>
-        <p:nvGrpSpPr>
-          <p:cNvPr id="11" name="Group 10">
-            <a:extLst>
-              <a:ext uri="{FF2B5EF4-FFF2-40B4-BE49-F238E27FC236}">
-                <a16:creationId xmlns:a16="http://schemas.microsoft.com/office/drawing/2014/main" id="{3DE1B08A-A3D6-F9FE-5E54-8638561964B3}"/>
-              </a:ext>
-            </a:extLst>
-          </p:cNvPr>
-          <p:cNvGrpSpPr/>
-          <p:nvPr/>
-        </p:nvGrpSpPr>
-        <p:grpSpPr>
-          <a:xfrm>
-            <a:off x="126584" y="1468413"/>
-            <a:ext cx="412901" cy="4630413"/>
-            <a:chOff x="-217187" y="784364"/>
-            <a:chExt cx="412901" cy="5678664"/>
-          </a:xfrm>
-        </p:grpSpPr>
-        <p:cxnSp>
-          <p:nvCxnSpPr>
-            <p:cNvPr id="12" name="Straight Arrow Connector 11">
-              <a:extLst>
-                <a:ext uri="{FF2B5EF4-FFF2-40B4-BE49-F238E27FC236}">
-                  <a16:creationId xmlns:a16="http://schemas.microsoft.com/office/drawing/2014/main" id="{FB710F8C-BFEA-4184-8C9D-C6C8A3731748}"/>
-                </a:ext>
-              </a:extLst>
-            </p:cNvPr>
-            <p:cNvCxnSpPr>
-              <a:cxnSpLocks/>
-            </p:cNvCxnSpPr>
-            <p:nvPr/>
-          </p:nvCxnSpPr>
-          <p:spPr>
-            <a:xfrm flipV="1">
-              <a:off x="195714" y="1102098"/>
-              <a:ext cx="0" cy="5360930"/>
-            </a:xfrm>
-            <a:prstGeom prst="straightConnector1">
-              <a:avLst/>
-            </a:prstGeom>
-            <a:ln w="76200">
-              <a:solidFill>
-                <a:schemeClr val="accent1">
-                  <a:lumMod val="40000"/>
-                  <a:lumOff val="60000"/>
-                </a:schemeClr>
-              </a:solidFill>
-              <a:tailEnd type="triangle"/>
-            </a:ln>
-          </p:spPr>
-          <p:style>
-            <a:lnRef idx="1">
-              <a:schemeClr val="accent1"/>
-            </a:lnRef>
-            <a:fillRef idx="0">
-              <a:schemeClr val="accent1"/>
-            </a:fillRef>
-            <a:effectRef idx="0">
-              <a:schemeClr val="accent1"/>
-            </a:effectRef>
-            <a:fontRef idx="minor">
-              <a:schemeClr val="tx1"/>
-            </a:fontRef>
-          </p:style>
-        </p:cxnSp>
-        <p:sp>
-          <p:nvSpPr>
-            <p:cNvPr id="13" name="TextBox 12">
-              <a:extLst>
-                <a:ext uri="{FF2B5EF4-FFF2-40B4-BE49-F238E27FC236}">
-                  <a16:creationId xmlns:a16="http://schemas.microsoft.com/office/drawing/2014/main" id="{734582F9-57F5-C0A3-981F-58185117753A}"/>
-                </a:ext>
-              </a:extLst>
-            </p:cNvPr>
-            <p:cNvSpPr txBox="1"/>
-            <p:nvPr/>
-          </p:nvSpPr>
-          <p:spPr>
-            <a:xfrm rot="16200000">
-              <a:off x="-1331491" y="1898668"/>
-              <a:ext cx="2483964" cy="255356"/>
-            </a:xfrm>
-            <a:prstGeom prst="rect">
-              <a:avLst/>
-            </a:prstGeom>
-            <a:noFill/>
-          </p:spPr>
-          <p:txBody>
-            <a:bodyPr wrap="square">
-              <a:spAutoFit/>
-            </a:bodyPr>
-            <a:lstStyle/>
-            <a:p>
-              <a:pPr marL="0" marR="0" lvl="0" indent="0" algn="l" defTabSz="914400" rtl="0" eaLnBrk="1" fontAlgn="auto" latinLnBrk="0" hangingPunct="1">
-                <a:lnSpc>
-                  <a:spcPct val="100000"/>
-                </a:lnSpc>
-                <a:spcBef>
-                  <a:spcPts val="0"/>
-                </a:spcBef>
-                <a:spcAft>
-                  <a:spcPts val="0"/>
-                </a:spcAft>
-                <a:buClrTx/>
-                <a:buSzTx/>
-                <a:buFontTx/>
-                <a:buNone/>
-                <a:tabLst/>
-                <a:defRPr/>
-              </a:pPr>
-              <a:r>
-                <a:rPr kumimoji="0" lang="en-US" sz="1800" b="1" i="0" u="none" strike="noStrike" kern="1200" cap="none" spc="0" normalizeH="0" baseline="0" noProof="0">
-                  <a:ln>
-                    <a:noFill/>
-                  </a:ln>
-                  <a:solidFill>
-                    <a:prstClr val="black"/>
-                  </a:solidFill>
-                  <a:effectLst/>
-                  <a:uLnTx/>
-                  <a:uFillTx/>
-                  <a:latin typeface="Calibri" panose="020F0502020204030204" pitchFamily="34" charset="0"/>
-                  <a:ea typeface="Calibri" panose="020F0502020204030204" pitchFamily="34" charset="0"/>
-                  <a:cs typeface="Arial" panose="020B0604020202020204" pitchFamily="34" charset="0"/>
-                </a:rPr>
-                <a:t>Data aggregation</a:t>
-              </a:r>
-              <a:endParaRPr kumimoji="0" lang="en-US" sz="1800" b="0" i="0" u="none" strike="noStrike" kern="1200" cap="none" spc="0" normalizeH="0" baseline="0" noProof="0">
-                <a:ln>
-                  <a:noFill/>
-                </a:ln>
-                <a:solidFill>
-                  <a:prstClr val="black"/>
-                </a:solidFill>
-                <a:effectLst/>
-                <a:uLnTx/>
-                <a:uFillTx/>
-                <a:latin typeface="Calibri"/>
-                <a:ea typeface="+mn-ea"/>
-                <a:cs typeface="+mn-cs"/>
-              </a:endParaRPr>
-            </a:p>
-          </p:txBody>
-        </p:sp>
-      </p:grpSp>
-      <p:sp>
-        <p:nvSpPr>
-          <p:cNvPr id="14" name="TextBox 13">
-            <a:extLst>
-              <a:ext uri="{FF2B5EF4-FFF2-40B4-BE49-F238E27FC236}">
-                <a16:creationId xmlns:a16="http://schemas.microsoft.com/office/drawing/2014/main" id="{D34E4F1D-FA25-9D09-C910-72C92FD4AB56}"/>
-              </a:ext>
-            </a:extLst>
-          </p:cNvPr>
-          <p:cNvSpPr txBox="1"/>
-          <p:nvPr/>
-        </p:nvSpPr>
-        <p:spPr>
-          <a:xfrm>
-            <a:off x="9018576" y="1228093"/>
-            <a:ext cx="3115430" cy="707886"/>
-          </a:xfrm>
-          <a:prstGeom prst="rect">
-            <a:avLst/>
-          </a:prstGeom>
-          <a:grpFill/>
-          <a:ln w="28575">
-            <a:noFill/>
-            <a:headEnd type="none" w="med" len="med"/>
-            <a:tailEnd type="none" w="med" len="med"/>
-          </a:ln>
-          <a:effectLst/>
-        </p:spPr>
-        <p:style>
-          <a:lnRef idx="1">
-            <a:schemeClr val="accent2"/>
-          </a:lnRef>
-          <a:fillRef idx="3">
-            <a:schemeClr val="accent2"/>
-          </a:fillRef>
-          <a:effectRef idx="2">
-            <a:schemeClr val="accent2"/>
-          </a:effectRef>
-          <a:fontRef idx="minor">
-            <a:schemeClr val="lt1"/>
-          </a:fontRef>
-        </p:style>
-        <p:txBody>
-          <a:bodyPr rot="0" spcFirstLastPara="0" vertOverflow="overflow" horzOverflow="overflow" vert="horz" wrap="square" lIns="182880" tIns="146304" rIns="182880" bIns="146304" numCol="1" spcCol="0" rtlCol="0" fromWordArt="0" anchor="t" anchorCtr="0" forceAA="0" compatLnSpc="1">
-            <a:prstTxWarp prst="textNoShape">
-              <a:avLst/>
-            </a:prstTxWarp>
-            <a:noAutofit/>
-          </a:bodyPr>
-          <a:lstStyle>
-            <a:defPPr>
-              <a:defRPr lang="en-US"/>
-            </a:defPPr>
-            <a:lvl1pPr marR="0" lvl="0" indent="0" defTabSz="932472" fontAlgn="base">
-              <a:lnSpc>
-                <a:spcPct val="100000"/>
-              </a:lnSpc>
-              <a:spcBef>
-                <a:spcPct val="0"/>
-              </a:spcBef>
-              <a:spcAft>
-                <a:spcPct val="0"/>
-              </a:spcAft>
-              <a:buClrTx/>
-              <a:buSzTx/>
-              <a:buFontTx/>
-              <a:buNone/>
-              <a:tabLst/>
-              <a:defRPr kumimoji="0" sz="2000" b="0" i="0" u="none" strike="noStrike" cap="none" spc="0" normalizeH="0" baseline="0">
-                <a:ln>
-                  <a:noFill/>
-                </a:ln>
-                <a:solidFill>
-                  <a:srgbClr val="FFFFFF"/>
-                </a:solidFill>
-                <a:effectLst/>
-                <a:uLnTx/>
-                <a:uFillTx/>
-                <a:latin typeface="Segoe UI"/>
-                <a:ea typeface="Segoe UI" pitchFamily="34" charset="0"/>
-                <a:cs typeface="Segoe UI" pitchFamily="34" charset="0"/>
-              </a:defRPr>
-            </a:lvl1pPr>
-            <a:lvl2pPr>
-              <a:defRPr>
-                <a:solidFill>
-                  <a:schemeClr val="lt1"/>
-                </a:solidFill>
-              </a:defRPr>
-            </a:lvl2pPr>
-            <a:lvl3pPr>
-              <a:defRPr>
-                <a:solidFill>
-                  <a:schemeClr val="lt1"/>
-                </a:solidFill>
-              </a:defRPr>
-            </a:lvl3pPr>
-            <a:lvl4pPr>
-              <a:defRPr>
-                <a:solidFill>
-                  <a:schemeClr val="lt1"/>
-                </a:solidFill>
-              </a:defRPr>
-            </a:lvl4pPr>
-            <a:lvl5pPr>
-              <a:defRPr>
-                <a:solidFill>
-                  <a:schemeClr val="lt1"/>
-                </a:solidFill>
-              </a:defRPr>
-            </a:lvl5pPr>
-            <a:lvl6pPr>
-              <a:defRPr>
-                <a:solidFill>
-                  <a:schemeClr val="lt1"/>
-                </a:solidFill>
-              </a:defRPr>
-            </a:lvl6pPr>
-            <a:lvl7pPr>
-              <a:defRPr>
-                <a:solidFill>
-                  <a:schemeClr val="lt1"/>
-                </a:solidFill>
-              </a:defRPr>
-            </a:lvl7pPr>
-            <a:lvl8pPr>
-              <a:defRPr>
-                <a:solidFill>
-                  <a:schemeClr val="lt1"/>
-                </a:solidFill>
-              </a:defRPr>
-            </a:lvl8pPr>
-            <a:lvl9pPr>
-              <a:defRPr>
-                <a:solidFill>
-                  <a:schemeClr val="lt1"/>
-                </a:solidFill>
-              </a:defRPr>
-            </a:lvl9pPr>
-          </a:lstStyle>
-          <a:p>
-            <a:pPr/>
-            <a:r>
-              <a:rPr lang="en-US" sz="1800" b="1" dirty="0">
-                <a:solidFill>
-                  <a:prstClr val="black"/>
-                </a:solidFill>
-                <a:latin typeface="Calibri" panose="020F0502020204030204" pitchFamily="34" charset="0"/>
-                <a:ea typeface="Calibri" panose="020F0502020204030204" pitchFamily="34" charset="0"/>
-                <a:cs typeface="Arial" panose="020B0604020202020204" pitchFamily="34" charset="0"/>
-              </a:rPr>
-              <a:t>Typical ways to consume data (and tools to support it)</a:t>
-            </a:r>
-            <a:endParaRPr lang="en-DK" sz="1800" b="1" dirty="0">
-              <a:solidFill>
-                <a:prstClr val="black"/>
-              </a:solidFill>
-              <a:latin typeface="Calibri" panose="020F0502020204030204" pitchFamily="34" charset="0"/>
-              <a:ea typeface="Calibri" panose="020F0502020204030204" pitchFamily="34" charset="0"/>
-              <a:cs typeface="Arial" panose="020B0604020202020204" pitchFamily="34" charset="0"/>
-            </a:endParaRPr>
-          </a:p>
-        </p:txBody>
-      </p:sp>
-      <p:grpSp>
-        <p:nvGrpSpPr>
-          <p:cNvPr id="2" name="Group 1">
-            <a:extLst>
-              <a:ext uri="{FF2B5EF4-FFF2-40B4-BE49-F238E27FC236}">
-                <a16:creationId xmlns:a16="http://schemas.microsoft.com/office/drawing/2014/main" id="{5C095CEE-2727-68B8-C59F-D0CE36FC8251}"/>
-              </a:ext>
-            </a:extLst>
-          </p:cNvPr>
-          <p:cNvGrpSpPr/>
-          <p:nvPr/>
-        </p:nvGrpSpPr>
-        <p:grpSpPr>
-          <a:xfrm>
-            <a:off x="8262644" y="1777524"/>
-            <a:ext cx="437535" cy="4377946"/>
-            <a:chOff x="-241821" y="1093985"/>
-            <a:chExt cx="437535" cy="5369043"/>
-          </a:xfrm>
-        </p:grpSpPr>
-        <p:cxnSp>
-          <p:nvCxnSpPr>
-            <p:cNvPr id="3" name="Straight Arrow Connector 2">
-              <a:extLst>
-                <a:ext uri="{FF2B5EF4-FFF2-40B4-BE49-F238E27FC236}">
-                  <a16:creationId xmlns:a16="http://schemas.microsoft.com/office/drawing/2014/main" id="{C9F6E95B-1C14-7483-6F9C-1B5EAC2E1E75}"/>
-                </a:ext>
-              </a:extLst>
-            </p:cNvPr>
-            <p:cNvCxnSpPr>
-              <a:cxnSpLocks/>
-            </p:cNvCxnSpPr>
-            <p:nvPr/>
-          </p:nvCxnSpPr>
-          <p:spPr>
-            <a:xfrm flipV="1">
-              <a:off x="195714" y="1102098"/>
-              <a:ext cx="0" cy="5360930"/>
-            </a:xfrm>
-            <a:prstGeom prst="straightConnector1">
-              <a:avLst/>
-            </a:prstGeom>
-            <a:ln w="76200">
-              <a:solidFill>
-                <a:schemeClr val="accent1">
-                  <a:lumMod val="40000"/>
-                  <a:lumOff val="60000"/>
-                </a:schemeClr>
-              </a:solidFill>
-              <a:tailEnd type="triangle"/>
-            </a:ln>
-          </p:spPr>
-          <p:style>
-            <a:lnRef idx="1">
-              <a:schemeClr val="accent1"/>
-            </a:lnRef>
-            <a:fillRef idx="0">
-              <a:schemeClr val="accent1"/>
-            </a:fillRef>
-            <a:effectRef idx="0">
-              <a:schemeClr val="accent1"/>
-            </a:effectRef>
-            <a:fontRef idx="minor">
-              <a:schemeClr val="tx1"/>
-            </a:fontRef>
-          </p:style>
-        </p:cxnSp>
-        <p:sp>
-          <p:nvSpPr>
-            <p:cNvPr id="5" name="TextBox 4">
-              <a:extLst>
-                <a:ext uri="{FF2B5EF4-FFF2-40B4-BE49-F238E27FC236}">
-                  <a16:creationId xmlns:a16="http://schemas.microsoft.com/office/drawing/2014/main" id="{099F255B-2E5D-1FEB-97E0-13107868FE94}"/>
-                </a:ext>
-              </a:extLst>
-            </p:cNvPr>
-            <p:cNvSpPr txBox="1"/>
-            <p:nvPr/>
-          </p:nvSpPr>
-          <p:spPr>
-            <a:xfrm rot="16200000">
-              <a:off x="-2666618" y="3518782"/>
-              <a:ext cx="5218926" cy="369332"/>
-            </a:xfrm>
-            <a:prstGeom prst="rect">
-              <a:avLst/>
-            </a:prstGeom>
-            <a:noFill/>
-          </p:spPr>
-          <p:txBody>
-            <a:bodyPr wrap="square">
-              <a:spAutoFit/>
-            </a:bodyPr>
-            <a:lstStyle/>
-            <a:p>
-              <a:pPr marL="0" marR="0" lvl="0" indent="0" algn="r" defTabSz="914400" rtl="0" eaLnBrk="1" fontAlgn="auto" latinLnBrk="0" hangingPunct="1">
-                <a:lnSpc>
-                  <a:spcPct val="100000"/>
-                </a:lnSpc>
-                <a:spcBef>
-                  <a:spcPts val="0"/>
-                </a:spcBef>
-                <a:spcAft>
-                  <a:spcPts val="0"/>
-                </a:spcAft>
-                <a:buClrTx/>
-                <a:buSzTx/>
-                <a:buFontTx/>
-                <a:buNone/>
-                <a:tabLst/>
-                <a:defRPr/>
-              </a:pPr>
-              <a:r>
-                <a:rPr kumimoji="0" lang="en-US" sz="1800" b="1" i="0" u="none" strike="noStrike" kern="1200" cap="none" spc="0" normalizeH="0" baseline="0" noProof="0" dirty="0" err="1">
-                  <a:ln>
-                    <a:noFill/>
-                  </a:ln>
-                  <a:solidFill>
-                    <a:prstClr val="black"/>
-                  </a:solidFill>
-                  <a:effectLst/>
-                  <a:uLnTx/>
-                  <a:uFillTx/>
-                  <a:latin typeface="Calibri" panose="020F0502020204030204" pitchFamily="34" charset="0"/>
-                  <a:ea typeface="Calibri" panose="020F0502020204030204" pitchFamily="34" charset="0"/>
-                  <a:cs typeface="Arial" panose="020B0604020202020204" pitchFamily="34" charset="0"/>
-                </a:rPr>
-                <a:t>Organizarional</a:t>
-              </a:r>
-              <a:r>
-                <a:rPr kumimoji="0" lang="en-US" sz="1800" b="1" i="0" u="none" strike="noStrike" kern="1200" cap="none" spc="0" normalizeH="0" baseline="0" noProof="0" dirty="0">
-                  <a:ln>
-                    <a:noFill/>
-                  </a:ln>
-                  <a:solidFill>
-                    <a:prstClr val="black"/>
-                  </a:solidFill>
-                  <a:effectLst/>
-                  <a:uLnTx/>
-                  <a:uFillTx/>
-                  <a:latin typeface="Calibri" panose="020F0502020204030204" pitchFamily="34" charset="0"/>
-                  <a:ea typeface="Calibri" panose="020F0502020204030204" pitchFamily="34" charset="0"/>
-                  <a:cs typeface="Arial" panose="020B0604020202020204" pitchFamily="34" charset="0"/>
-                </a:rPr>
-                <a:t> </a:t>
-              </a:r>
-              <a:r>
-                <a:rPr kumimoji="0" lang="en-US" sz="1800" b="1" i="0" u="none" strike="noStrike" kern="1200" cap="none" spc="0" normalizeH="0" baseline="0" noProof="0" dirty="0" err="1">
-                  <a:ln>
-                    <a:noFill/>
-                  </a:ln>
-                  <a:solidFill>
-                    <a:prstClr val="black"/>
-                  </a:solidFill>
-                  <a:effectLst/>
-                  <a:uLnTx/>
-                  <a:uFillTx/>
-                  <a:latin typeface="Calibri" panose="020F0502020204030204" pitchFamily="34" charset="0"/>
-                  <a:ea typeface="Calibri" panose="020F0502020204030204" pitchFamily="34" charset="0"/>
-                  <a:cs typeface="Arial" panose="020B0604020202020204" pitchFamily="34" charset="0"/>
-                </a:rPr>
-                <a:t>hierachy</a:t>
-              </a:r>
-              <a:endParaRPr kumimoji="0" lang="en-US" sz="1800" b="0" i="0" u="none" strike="noStrike" kern="1200" cap="none" spc="0" normalizeH="0" baseline="0" noProof="0" dirty="0">
-                <a:ln>
-                  <a:noFill/>
-                </a:ln>
-                <a:solidFill>
-                  <a:prstClr val="black"/>
-                </a:solidFill>
-                <a:effectLst/>
-                <a:uLnTx/>
-                <a:uFillTx/>
-                <a:latin typeface="Calibri"/>
-                <a:ea typeface="+mn-ea"/>
-                <a:cs typeface="+mn-cs"/>
-              </a:endParaRPr>
-            </a:p>
-          </p:txBody>
-        </p:sp>
-      </p:grpSp>
-      <p:grpSp>
-        <p:nvGrpSpPr>
-          <p:cNvPr id="40" name="Group 39">
-            <a:extLst>
-              <a:ext uri="{FF2B5EF4-FFF2-40B4-BE49-F238E27FC236}">
-                <a16:creationId xmlns:a16="http://schemas.microsoft.com/office/drawing/2014/main" id="{DFB91D83-161E-2246-3823-0568C94E87C7}"/>
-              </a:ext>
-            </a:extLst>
-          </p:cNvPr>
-          <p:cNvGrpSpPr/>
-          <p:nvPr/>
-        </p:nvGrpSpPr>
-        <p:grpSpPr>
-          <a:xfrm>
-            <a:off x="1106520" y="2279761"/>
-            <a:ext cx="7419165" cy="3784599"/>
-            <a:chOff x="1106520" y="2279761"/>
-            <a:chExt cx="7419165" cy="3784599"/>
-          </a:xfrm>
-        </p:grpSpPr>
-        <p:sp>
-          <p:nvSpPr>
-            <p:cNvPr id="21" name="TextBox 20">
-              <a:extLst>
-                <a:ext uri="{FF2B5EF4-FFF2-40B4-BE49-F238E27FC236}">
-                  <a16:creationId xmlns:a16="http://schemas.microsoft.com/office/drawing/2014/main" id="{AA0D1BCC-DE22-AE20-6989-6EDA09ED849D}"/>
-                </a:ext>
-              </a:extLst>
-            </p:cNvPr>
-            <p:cNvSpPr txBox="1"/>
-            <p:nvPr/>
-          </p:nvSpPr>
-          <p:spPr>
-            <a:xfrm>
-              <a:off x="7357730" y="5163896"/>
-              <a:ext cx="1167955" cy="307777"/>
-            </a:xfrm>
-            <a:prstGeom prst="rect">
-              <a:avLst/>
-            </a:prstGeom>
-            <a:noFill/>
-          </p:spPr>
-          <p:txBody>
-            <a:bodyPr wrap="square" lIns="0" tIns="0" rIns="0" bIns="0" rtlCol="0">
-              <a:spAutoFit/>
-            </a:bodyPr>
-            <a:lstStyle/>
-            <a:p>
-              <a:pPr marL="0" marR="0" lvl="0" indent="0" algn="l" defTabSz="914367" rtl="0" eaLnBrk="1" fontAlgn="auto" latinLnBrk="0" hangingPunct="1">
-                <a:lnSpc>
-                  <a:spcPct val="100000"/>
-                </a:lnSpc>
-                <a:spcBef>
-                  <a:spcPts val="0"/>
-                </a:spcBef>
-                <a:spcAft>
-                  <a:spcPts val="0"/>
-                </a:spcAft>
-                <a:buClrTx/>
-                <a:buSzTx/>
-                <a:buFontTx/>
-                <a:buNone/>
-                <a:tabLst/>
-                <a:defRPr/>
-              </a:pPr>
-              <a:r>
-                <a:rPr kumimoji="0" lang="en-GB" sz="2000" b="0" i="0" u="none" strike="noStrike" kern="1200" cap="none" spc="0" normalizeH="0" baseline="0" noProof="0" dirty="0">
-                  <a:ln>
-                    <a:noFill/>
-                  </a:ln>
-                  <a:solidFill>
-                    <a:srgbClr val="000000"/>
-                  </a:solidFill>
-                  <a:effectLst/>
-                  <a:uLnTx/>
-                  <a:uFillTx/>
-                  <a:latin typeface="Segoe UI"/>
-                  <a:ea typeface="+mn-ea"/>
-                  <a:cs typeface="+mn-cs"/>
-                </a:rPr>
-                <a:t>Staff</a:t>
-              </a:r>
-            </a:p>
-          </p:txBody>
-        </p:sp>
-        <p:sp>
-          <p:nvSpPr>
-            <p:cNvPr id="22" name="TextBox 21">
-              <a:extLst>
-                <a:ext uri="{FF2B5EF4-FFF2-40B4-BE49-F238E27FC236}">
-                  <a16:creationId xmlns:a16="http://schemas.microsoft.com/office/drawing/2014/main" id="{56A813E7-51BD-80E3-F5E1-60F7D463644F}"/>
-                </a:ext>
-              </a:extLst>
-            </p:cNvPr>
-            <p:cNvSpPr txBox="1"/>
-            <p:nvPr/>
-          </p:nvSpPr>
-          <p:spPr>
-            <a:xfrm>
-              <a:off x="6663726" y="3921734"/>
-              <a:ext cx="1808796" cy="307777"/>
-            </a:xfrm>
-            <a:prstGeom prst="rect">
-              <a:avLst/>
-            </a:prstGeom>
-            <a:noFill/>
-          </p:spPr>
-          <p:txBody>
-            <a:bodyPr wrap="square" lIns="0" tIns="0" rIns="0" bIns="0" rtlCol="0">
-              <a:spAutoFit/>
-            </a:bodyPr>
-            <a:lstStyle/>
-            <a:p>
-              <a:pPr marL="0" marR="0" lvl="0" indent="0" algn="l" defTabSz="914367" rtl="0" eaLnBrk="1" fontAlgn="auto" latinLnBrk="0" hangingPunct="1">
-                <a:lnSpc>
-                  <a:spcPct val="100000"/>
-                </a:lnSpc>
-                <a:spcBef>
-                  <a:spcPts val="0"/>
-                </a:spcBef>
-                <a:spcAft>
-                  <a:spcPts val="0"/>
-                </a:spcAft>
-                <a:buClrTx/>
-                <a:buSzTx/>
-                <a:buFontTx/>
-                <a:buNone/>
-                <a:tabLst/>
-                <a:defRPr/>
-              </a:pPr>
-              <a:r>
-                <a:rPr kumimoji="0" lang="en-GB" sz="2000" b="0" i="0" u="none" strike="noStrike" kern="1200" cap="none" spc="0" normalizeH="0" baseline="0" noProof="0" dirty="0">
-                  <a:ln>
-                    <a:noFill/>
-                  </a:ln>
-                  <a:solidFill>
-                    <a:srgbClr val="000000"/>
-                  </a:solidFill>
-                  <a:effectLst/>
-                  <a:uLnTx/>
-                  <a:uFillTx/>
-                  <a:latin typeface="Segoe UI"/>
-                  <a:ea typeface="+mn-ea"/>
-                  <a:cs typeface="+mn-cs"/>
-                </a:rPr>
-                <a:t>Management</a:t>
-              </a:r>
-            </a:p>
-          </p:txBody>
-        </p:sp>
-        <p:grpSp>
-          <p:nvGrpSpPr>
-            <p:cNvPr id="20" name="Group 19">
-              <a:extLst>
-                <a:ext uri="{FF2B5EF4-FFF2-40B4-BE49-F238E27FC236}">
-                  <a16:creationId xmlns:a16="http://schemas.microsoft.com/office/drawing/2014/main" id="{5BD1079F-D895-5308-71CE-A3842076D451}"/>
-                </a:ext>
-              </a:extLst>
-            </p:cNvPr>
-            <p:cNvGrpSpPr/>
-            <p:nvPr/>
-          </p:nvGrpSpPr>
-          <p:grpSpPr>
-            <a:xfrm>
-              <a:off x="2124438" y="2279761"/>
-              <a:ext cx="5411972" cy="3784599"/>
-              <a:chOff x="2124438" y="2279761"/>
-              <a:chExt cx="5411972" cy="3784599"/>
-            </a:xfrm>
-            <a:noFill/>
-          </p:grpSpPr>
-          <p:sp>
-            <p:nvSpPr>
-              <p:cNvPr id="15" name="Trapezoid 14">
-                <a:extLst>
-                  <a:ext uri="{FF2B5EF4-FFF2-40B4-BE49-F238E27FC236}">
-                    <a16:creationId xmlns:a16="http://schemas.microsoft.com/office/drawing/2014/main" id="{E1BF908A-4CDA-8F16-BF00-28CD10F92302}"/>
-                  </a:ext>
-                </a:extLst>
-              </p:cNvPr>
-              <p:cNvSpPr/>
-              <p:nvPr/>
-            </p:nvSpPr>
-            <p:spPr bwMode="auto">
-              <a:xfrm>
-                <a:off x="2124438" y="4915121"/>
-                <a:ext cx="5411972" cy="1149239"/>
-              </a:xfrm>
-              <a:prstGeom prst="trapezoid">
-                <a:avLst>
-                  <a:gd name="adj" fmla="val 60157"/>
-                </a:avLst>
-              </a:prstGeom>
-              <a:grpFill/>
-              <a:ln w="28575">
-                <a:solidFill>
-                  <a:schemeClr val="tx1"/>
-                </a:solidFill>
-                <a:headEnd type="none" w="med" len="med"/>
-                <a:tailEnd type="none" w="med" len="med"/>
-              </a:ln>
-              <a:effectLst/>
-            </p:spPr>
-            <p:style>
-              <a:lnRef idx="1">
-                <a:schemeClr val="accent2"/>
-              </a:lnRef>
-              <a:fillRef idx="3">
-                <a:schemeClr val="accent2"/>
-              </a:fillRef>
-              <a:effectRef idx="2">
-                <a:schemeClr val="accent2"/>
-              </a:effectRef>
-              <a:fontRef idx="minor">
-                <a:schemeClr val="lt1"/>
-              </a:fontRef>
-            </p:style>
-            <p:txBody>
-              <a:bodyPr rot="0" spcFirstLastPara="0" vertOverflow="overflow" horzOverflow="overflow" vert="horz" wrap="square" lIns="182880" tIns="146304" rIns="182880" bIns="146304" numCol="1" spcCol="0" rtlCol="0" fromWordArt="0" anchor="t" anchorCtr="0" forceAA="0" compatLnSpc="1">
-                <a:prstTxWarp prst="textNoShape">
-                  <a:avLst/>
-                </a:prstTxWarp>
-                <a:noAutofit/>
-              </a:bodyPr>
-              <a:lstStyle/>
-              <a:p>
-                <a:pPr marL="0" marR="0" lvl="0" indent="0" algn="l" defTabSz="932472" rtl="0" eaLnBrk="1" fontAlgn="base" latinLnBrk="0" hangingPunct="1">
-                  <a:lnSpc>
-                    <a:spcPct val="100000"/>
-                  </a:lnSpc>
-                  <a:spcBef>
-                    <a:spcPct val="0"/>
-                  </a:spcBef>
-                  <a:spcAft>
-                    <a:spcPct val="0"/>
-                  </a:spcAft>
-                  <a:buClrTx/>
-                  <a:buSzTx/>
-                  <a:buFontTx/>
-                  <a:buNone/>
-                  <a:tabLst/>
-                  <a:defRPr/>
-                </a:pPr>
-                <a:endParaRPr kumimoji="0" lang="en-GB" sz="2000" b="0" i="0" u="none" strike="noStrike" kern="1200" cap="none" spc="0" normalizeH="0" baseline="0" noProof="0" dirty="0" err="1">
-                  <a:ln>
-                    <a:noFill/>
-                  </a:ln>
-                  <a:solidFill>
-                    <a:srgbClr val="FFFFFF"/>
-                  </a:solidFill>
-                  <a:effectLst/>
-                  <a:uLnTx/>
-                  <a:uFillTx/>
-                  <a:latin typeface="Segoe UI"/>
-                  <a:ea typeface="Segoe UI" pitchFamily="34" charset="0"/>
-                  <a:cs typeface="Segoe UI" pitchFamily="34" charset="0"/>
-                </a:endParaRPr>
-              </a:p>
-            </p:txBody>
-          </p:sp>
-          <p:sp>
-            <p:nvSpPr>
-              <p:cNvPr id="16" name="Trapezoid 15">
-                <a:extLst>
-                  <a:ext uri="{FF2B5EF4-FFF2-40B4-BE49-F238E27FC236}">
-                    <a16:creationId xmlns:a16="http://schemas.microsoft.com/office/drawing/2014/main" id="{53169B32-8B62-0DBA-DA9A-F3D1143A579F}"/>
-                  </a:ext>
-                </a:extLst>
-              </p:cNvPr>
-              <p:cNvSpPr/>
-              <p:nvPr/>
-            </p:nvSpPr>
-            <p:spPr bwMode="auto">
-              <a:xfrm>
-                <a:off x="2915316" y="3597820"/>
-                <a:ext cx="3857624" cy="1149239"/>
-              </a:xfrm>
-              <a:prstGeom prst="trapezoid">
-                <a:avLst>
-                  <a:gd name="adj" fmla="val 56456"/>
-                </a:avLst>
-              </a:prstGeom>
-              <a:grpFill/>
-              <a:ln w="28575">
-                <a:solidFill>
-                  <a:schemeClr val="tx1"/>
-                </a:solidFill>
-                <a:headEnd type="none" w="med" len="med"/>
-                <a:tailEnd type="none" w="med" len="med"/>
-              </a:ln>
-              <a:effectLst/>
-            </p:spPr>
-            <p:style>
-              <a:lnRef idx="1">
-                <a:schemeClr val="accent2"/>
-              </a:lnRef>
-              <a:fillRef idx="3">
-                <a:schemeClr val="accent2"/>
-              </a:fillRef>
-              <a:effectRef idx="2">
-                <a:schemeClr val="accent2"/>
-              </a:effectRef>
-              <a:fontRef idx="minor">
-                <a:schemeClr val="lt1"/>
-              </a:fontRef>
-            </p:style>
-            <p:txBody>
-              <a:bodyPr rot="0" spcFirstLastPara="0" vertOverflow="overflow" horzOverflow="overflow" vert="horz" wrap="square" lIns="182880" tIns="146304" rIns="182880" bIns="146304" numCol="1" spcCol="0" rtlCol="0" fromWordArt="0" anchor="t" anchorCtr="0" forceAA="0" compatLnSpc="1">
-                <a:prstTxWarp prst="textNoShape">
-                  <a:avLst/>
-                </a:prstTxWarp>
-                <a:noAutofit/>
-              </a:bodyPr>
-              <a:lstStyle/>
-              <a:p>
-                <a:pPr marL="0" marR="0" lvl="0" indent="0" algn="l" defTabSz="932472" rtl="0" eaLnBrk="1" fontAlgn="base" latinLnBrk="0" hangingPunct="1">
-                  <a:lnSpc>
-                    <a:spcPct val="100000"/>
-                  </a:lnSpc>
-                  <a:spcBef>
-                    <a:spcPct val="0"/>
-                  </a:spcBef>
-                  <a:spcAft>
-                    <a:spcPct val="0"/>
-                  </a:spcAft>
-                  <a:buClrTx/>
-                  <a:buSzTx/>
-                  <a:buFontTx/>
-                  <a:buNone/>
-                  <a:tabLst/>
-                  <a:defRPr/>
-                </a:pPr>
-                <a:endParaRPr kumimoji="0" lang="en-GB" sz="2000" b="0" i="0" u="none" strike="noStrike" kern="1200" cap="none" spc="0" normalizeH="0" baseline="0" noProof="0" dirty="0" err="1">
-                  <a:ln>
-                    <a:noFill/>
-                  </a:ln>
-                  <a:solidFill>
-                    <a:srgbClr val="FFFFFF"/>
-                  </a:solidFill>
-                  <a:effectLst/>
-                  <a:uLnTx/>
-                  <a:uFillTx/>
-                  <a:latin typeface="Segoe UI"/>
-                  <a:ea typeface="Segoe UI" pitchFamily="34" charset="0"/>
-                  <a:cs typeface="Segoe UI" pitchFamily="34" charset="0"/>
-                </a:endParaRPr>
-              </a:p>
-            </p:txBody>
-          </p:sp>
-          <p:sp>
-            <p:nvSpPr>
-              <p:cNvPr id="19" name="Trapezoid 18">
-                <a:extLst>
-                  <a:ext uri="{FF2B5EF4-FFF2-40B4-BE49-F238E27FC236}">
-                    <a16:creationId xmlns:a16="http://schemas.microsoft.com/office/drawing/2014/main" id="{26486CFE-05E2-66A2-6A08-3DF11A385CD1}"/>
-                  </a:ext>
-                </a:extLst>
-              </p:cNvPr>
-              <p:cNvSpPr/>
-              <p:nvPr/>
-            </p:nvSpPr>
-            <p:spPr bwMode="auto">
-              <a:xfrm>
-                <a:off x="3560343" y="2279761"/>
-                <a:ext cx="2535657" cy="1149239"/>
-              </a:xfrm>
-              <a:prstGeom prst="trapezoid">
-                <a:avLst>
-                  <a:gd name="adj" fmla="val 53682"/>
-                </a:avLst>
-              </a:prstGeom>
-              <a:grpFill/>
-              <a:ln w="28575">
-                <a:solidFill>
-                  <a:schemeClr val="tx1"/>
-                </a:solidFill>
-                <a:headEnd type="none" w="med" len="med"/>
-                <a:tailEnd type="none" w="med" len="med"/>
-              </a:ln>
-              <a:effectLst/>
-            </p:spPr>
-            <p:style>
-              <a:lnRef idx="1">
-                <a:schemeClr val="accent2"/>
-              </a:lnRef>
-              <a:fillRef idx="3">
-                <a:schemeClr val="accent2"/>
-              </a:fillRef>
-              <a:effectRef idx="2">
-                <a:schemeClr val="accent2"/>
-              </a:effectRef>
-              <a:fontRef idx="minor">
-                <a:schemeClr val="lt1"/>
-              </a:fontRef>
-            </p:style>
-            <p:txBody>
-              <a:bodyPr rot="0" spcFirstLastPara="0" vertOverflow="overflow" horzOverflow="overflow" vert="horz" wrap="square" lIns="182880" tIns="146304" rIns="182880" bIns="146304" numCol="1" spcCol="0" rtlCol="0" fromWordArt="0" anchor="t" anchorCtr="0" forceAA="0" compatLnSpc="1">
-                <a:prstTxWarp prst="textNoShape">
-                  <a:avLst/>
-                </a:prstTxWarp>
-                <a:noAutofit/>
-              </a:bodyPr>
-              <a:lstStyle/>
-              <a:p>
-                <a:pPr marL="0" marR="0" lvl="0" indent="0" algn="l" defTabSz="932472" rtl="0" eaLnBrk="1" fontAlgn="base" latinLnBrk="0" hangingPunct="1">
-                  <a:lnSpc>
-                    <a:spcPct val="100000"/>
-                  </a:lnSpc>
-                  <a:spcBef>
-                    <a:spcPct val="0"/>
-                  </a:spcBef>
-                  <a:spcAft>
-                    <a:spcPct val="0"/>
-                  </a:spcAft>
-                  <a:buClrTx/>
-                  <a:buSzTx/>
-                  <a:buFontTx/>
-                  <a:buNone/>
-                  <a:tabLst/>
-                  <a:defRPr/>
-                </a:pPr>
-                <a:endParaRPr kumimoji="0" lang="en-GB" sz="2000" b="0" i="0" u="none" strike="noStrike" kern="1200" cap="none" spc="0" normalizeH="0" baseline="0" noProof="0" dirty="0" err="1">
-                  <a:ln>
-                    <a:noFill/>
-                  </a:ln>
-                  <a:solidFill>
-                    <a:srgbClr val="FFFFFF"/>
-                  </a:solidFill>
-                  <a:effectLst/>
-                  <a:uLnTx/>
-                  <a:uFillTx/>
-                  <a:latin typeface="Segoe UI"/>
-                  <a:ea typeface="Segoe UI" pitchFamily="34" charset="0"/>
-                  <a:cs typeface="Segoe UI" pitchFamily="34" charset="0"/>
-                </a:endParaRPr>
-              </a:p>
-            </p:txBody>
-          </p:sp>
-        </p:grpSp>
-        <p:sp>
-          <p:nvSpPr>
-            <p:cNvPr id="23" name="TextBox 22">
-              <a:extLst>
-                <a:ext uri="{FF2B5EF4-FFF2-40B4-BE49-F238E27FC236}">
-                  <a16:creationId xmlns:a16="http://schemas.microsoft.com/office/drawing/2014/main" id="{2E684371-28BF-7FBD-08D8-92A676BD8F57}"/>
-                </a:ext>
-              </a:extLst>
-            </p:cNvPr>
-            <p:cNvSpPr txBox="1"/>
-            <p:nvPr/>
-          </p:nvSpPr>
-          <p:spPr>
-            <a:xfrm>
-              <a:off x="5936533" y="2688708"/>
-              <a:ext cx="1808796" cy="307777"/>
-            </a:xfrm>
-            <a:prstGeom prst="rect">
-              <a:avLst/>
-            </a:prstGeom>
-            <a:noFill/>
-          </p:spPr>
-          <p:txBody>
-            <a:bodyPr wrap="square" lIns="0" tIns="0" rIns="0" bIns="0" rtlCol="0">
-              <a:spAutoFit/>
-            </a:bodyPr>
-            <a:lstStyle/>
-            <a:p>
-              <a:pPr marL="0" marR="0" lvl="0" indent="0" algn="l" defTabSz="914367" rtl="0" eaLnBrk="1" fontAlgn="auto" latinLnBrk="0" hangingPunct="1">
-                <a:lnSpc>
-                  <a:spcPct val="100000"/>
-                </a:lnSpc>
-                <a:spcBef>
-                  <a:spcPts val="0"/>
-                </a:spcBef>
-                <a:spcAft>
-                  <a:spcPts val="0"/>
-                </a:spcAft>
-                <a:buClrTx/>
-                <a:buSzTx/>
-                <a:buFontTx/>
-                <a:buNone/>
-                <a:tabLst/>
-                <a:defRPr/>
-              </a:pPr>
-              <a:r>
-                <a:rPr kumimoji="0" lang="en-GB" sz="2000" b="0" i="0" u="none" strike="noStrike" kern="1200" cap="none" spc="0" normalizeH="0" baseline="0" noProof="0" dirty="0">
-                  <a:ln>
-                    <a:noFill/>
-                  </a:ln>
-                  <a:solidFill>
-                    <a:srgbClr val="000000"/>
-                  </a:solidFill>
-                  <a:effectLst/>
-                  <a:uLnTx/>
-                  <a:uFillTx/>
-                  <a:latin typeface="Segoe UI"/>
-                  <a:ea typeface="+mn-ea"/>
-                  <a:cs typeface="+mn-cs"/>
-                </a:rPr>
-                <a:t>Leadership</a:t>
-              </a:r>
-            </a:p>
-          </p:txBody>
-        </p:sp>
-        <p:sp>
-          <p:nvSpPr>
-            <p:cNvPr id="24" name="TextBox 23">
-              <a:extLst>
-                <a:ext uri="{FF2B5EF4-FFF2-40B4-BE49-F238E27FC236}">
-                  <a16:creationId xmlns:a16="http://schemas.microsoft.com/office/drawing/2014/main" id="{2AE586D6-C66E-F569-1A01-B34ECA1ABE5D}"/>
-                </a:ext>
-              </a:extLst>
-            </p:cNvPr>
-            <p:cNvSpPr txBox="1"/>
-            <p:nvPr/>
-          </p:nvSpPr>
-          <p:spPr>
-            <a:xfrm>
-              <a:off x="2358634" y="2684622"/>
-              <a:ext cx="1808796" cy="615553"/>
-            </a:xfrm>
-            <a:prstGeom prst="rect">
-              <a:avLst/>
-            </a:prstGeom>
-            <a:noFill/>
-          </p:spPr>
-          <p:txBody>
-            <a:bodyPr wrap="square" lIns="0" tIns="0" rIns="0" bIns="0" rtlCol="0">
-              <a:spAutoFit/>
-            </a:bodyPr>
-            <a:lstStyle/>
-            <a:p>
-              <a:pPr marL="0" marR="0" lvl="0" indent="0" algn="l" defTabSz="914367" rtl="0" eaLnBrk="1" fontAlgn="auto" latinLnBrk="0" hangingPunct="1">
-                <a:lnSpc>
-                  <a:spcPct val="100000"/>
-                </a:lnSpc>
-                <a:spcBef>
-                  <a:spcPts val="0"/>
-                </a:spcBef>
-                <a:spcAft>
-                  <a:spcPts val="0"/>
-                </a:spcAft>
-                <a:buClrTx/>
-                <a:buSzTx/>
-                <a:buFontTx/>
-                <a:buNone/>
-                <a:tabLst/>
-                <a:defRPr/>
-              </a:pPr>
-              <a:r>
-                <a:rPr kumimoji="0" lang="en-GB" sz="2000" b="0" i="0" u="none" strike="noStrike" kern="1200" cap="none" spc="0" normalizeH="0" baseline="0" noProof="0" dirty="0">
-                  <a:ln>
-                    <a:noFill/>
-                  </a:ln>
-                  <a:solidFill>
-                    <a:srgbClr val="000000"/>
-                  </a:solidFill>
-                  <a:effectLst/>
-                  <a:uLnTx/>
-                  <a:uFillTx/>
-                  <a:latin typeface="Segoe UI"/>
-                  <a:ea typeface="+mn-ea"/>
-                  <a:cs typeface="+mn-cs"/>
-                </a:rPr>
-                <a:t>Performance data</a:t>
-              </a:r>
-            </a:p>
-          </p:txBody>
-        </p:sp>
-        <p:sp>
-          <p:nvSpPr>
-            <p:cNvPr id="25" name="TextBox 24">
-              <a:extLst>
-                <a:ext uri="{FF2B5EF4-FFF2-40B4-BE49-F238E27FC236}">
-                  <a16:creationId xmlns:a16="http://schemas.microsoft.com/office/drawing/2014/main" id="{C719DD6E-1D9D-A43F-4F31-75A3928AAB0F}"/>
-                </a:ext>
-              </a:extLst>
-            </p:cNvPr>
-            <p:cNvSpPr txBox="1"/>
-            <p:nvPr/>
-          </p:nvSpPr>
-          <p:spPr>
-            <a:xfrm>
-              <a:off x="1751547" y="3726645"/>
-              <a:ext cx="1808796" cy="615553"/>
-            </a:xfrm>
-            <a:prstGeom prst="rect">
-              <a:avLst/>
-            </a:prstGeom>
-            <a:noFill/>
-          </p:spPr>
-          <p:txBody>
-            <a:bodyPr wrap="square" lIns="0" tIns="0" rIns="0" bIns="0" rtlCol="0">
-              <a:spAutoFit/>
-            </a:bodyPr>
-            <a:lstStyle/>
-            <a:p>
-              <a:pPr marL="0" marR="0" lvl="0" indent="0" algn="l" defTabSz="914367" rtl="0" eaLnBrk="1" fontAlgn="auto" latinLnBrk="0" hangingPunct="1">
-                <a:lnSpc>
-                  <a:spcPct val="100000"/>
-                </a:lnSpc>
-                <a:spcBef>
-                  <a:spcPts val="0"/>
-                </a:spcBef>
-                <a:spcAft>
-                  <a:spcPts val="0"/>
-                </a:spcAft>
-                <a:buClrTx/>
-                <a:buSzTx/>
-                <a:buFontTx/>
-                <a:buNone/>
-                <a:tabLst/>
-                <a:defRPr/>
-              </a:pPr>
-              <a:r>
-                <a:rPr kumimoji="0" lang="en-GB" sz="2000" b="0" i="0" u="none" strike="noStrike" kern="1200" cap="none" spc="0" normalizeH="0" baseline="0" noProof="0" dirty="0">
-                  <a:ln>
-                    <a:noFill/>
-                  </a:ln>
-                  <a:solidFill>
-                    <a:srgbClr val="000000"/>
-                  </a:solidFill>
-                  <a:effectLst/>
-                  <a:uLnTx/>
-                  <a:uFillTx/>
-                  <a:latin typeface="Segoe UI"/>
-                  <a:ea typeface="+mn-ea"/>
-                  <a:cs typeface="+mn-cs"/>
-                </a:rPr>
-                <a:t>Trends, summaries</a:t>
-              </a:r>
-            </a:p>
-          </p:txBody>
-        </p:sp>
-        <p:sp>
-          <p:nvSpPr>
-            <p:cNvPr id="26" name="TextBox 25">
-              <a:extLst>
-                <a:ext uri="{FF2B5EF4-FFF2-40B4-BE49-F238E27FC236}">
-                  <a16:creationId xmlns:a16="http://schemas.microsoft.com/office/drawing/2014/main" id="{CA37A257-5E29-1814-466D-CF540470B0C4}"/>
-                </a:ext>
-              </a:extLst>
-            </p:cNvPr>
-            <p:cNvSpPr txBox="1"/>
-            <p:nvPr/>
-          </p:nvSpPr>
-          <p:spPr>
-            <a:xfrm>
-              <a:off x="1106520" y="4964294"/>
-              <a:ext cx="1808796" cy="615553"/>
-            </a:xfrm>
-            <a:prstGeom prst="rect">
-              <a:avLst/>
-            </a:prstGeom>
-            <a:noFill/>
-          </p:spPr>
-          <p:txBody>
-            <a:bodyPr wrap="square" lIns="0" tIns="0" rIns="0" bIns="0" rtlCol="0">
-              <a:spAutoFit/>
-            </a:bodyPr>
-            <a:lstStyle/>
-            <a:p>
-              <a:pPr marL="0" marR="0" lvl="0" indent="0" algn="l" defTabSz="914367" rtl="0" eaLnBrk="1" fontAlgn="auto" latinLnBrk="0" hangingPunct="1">
-                <a:lnSpc>
-                  <a:spcPct val="100000"/>
-                </a:lnSpc>
-                <a:spcBef>
-                  <a:spcPts val="0"/>
-                </a:spcBef>
-                <a:spcAft>
-                  <a:spcPts val="0"/>
-                </a:spcAft>
-                <a:buClrTx/>
-                <a:buSzTx/>
-                <a:buFontTx/>
-                <a:buNone/>
-                <a:tabLst/>
-                <a:defRPr/>
-              </a:pPr>
-              <a:r>
-                <a:rPr kumimoji="0" lang="en-GB" sz="2000" b="0" i="0" u="none" strike="noStrike" kern="1200" cap="none" spc="0" normalizeH="0" baseline="0" noProof="0" dirty="0">
-                  <a:ln>
-                    <a:noFill/>
-                  </a:ln>
-                  <a:solidFill>
-                    <a:srgbClr val="000000"/>
-                  </a:solidFill>
-                  <a:effectLst/>
-                  <a:uLnTx/>
-                  <a:uFillTx/>
-                  <a:latin typeface="Segoe UI"/>
-                  <a:ea typeface="+mn-ea"/>
-                  <a:cs typeface="+mn-cs"/>
-                </a:rPr>
-                <a:t>Detailed </a:t>
-              </a:r>
-            </a:p>
-            <a:p>
-              <a:pPr marL="0" marR="0" lvl="0" indent="0" algn="l" defTabSz="914367" rtl="0" eaLnBrk="1" fontAlgn="auto" latinLnBrk="0" hangingPunct="1">
-                <a:lnSpc>
-                  <a:spcPct val="100000"/>
-                </a:lnSpc>
-                <a:spcBef>
-                  <a:spcPts val="0"/>
-                </a:spcBef>
-                <a:spcAft>
-                  <a:spcPts val="0"/>
-                </a:spcAft>
-                <a:buClrTx/>
-                <a:buSzTx/>
-                <a:buFontTx/>
-                <a:buNone/>
-                <a:tabLst/>
-                <a:defRPr/>
-              </a:pPr>
-              <a:r>
-                <a:rPr kumimoji="0" lang="en-GB" sz="2000" b="0" i="0" u="none" strike="noStrike" kern="1200" cap="none" spc="0" normalizeH="0" baseline="0" noProof="0" dirty="0">
-                  <a:ln>
-                    <a:noFill/>
-                  </a:ln>
-                  <a:solidFill>
-                    <a:srgbClr val="000000"/>
-                  </a:solidFill>
-                  <a:effectLst/>
-                  <a:uLnTx/>
-                  <a:uFillTx/>
-                  <a:latin typeface="Segoe UI"/>
-                  <a:ea typeface="+mn-ea"/>
-                  <a:cs typeface="+mn-cs"/>
-                </a:rPr>
-                <a:t>data</a:t>
-              </a:r>
-            </a:p>
-          </p:txBody>
-        </p:sp>
-        <p:pic>
-          <p:nvPicPr>
-            <p:cNvPr id="28" name="Graphic 27" descr="Electrician female with solid fill">
-              <a:extLst>
-                <a:ext uri="{FF2B5EF4-FFF2-40B4-BE49-F238E27FC236}">
-                  <a16:creationId xmlns:a16="http://schemas.microsoft.com/office/drawing/2014/main" id="{09B23851-D617-5D3C-DA88-0C7B1D26587B}"/>
-                </a:ext>
-              </a:extLst>
-            </p:cNvPr>
-            <p:cNvPicPr>
-              <a:picLocks noChangeAspect="1"/>
-            </p:cNvPicPr>
-            <p:nvPr/>
-          </p:nvPicPr>
-          <p:blipFill>
-            <a:blip r:embed="rId2">
-              <a:extLst>
-                <a:ext uri="{96DAC541-7B7A-43D3-8B79-37D633B846F1}">
-                  <asvg:svgBlip xmlns:asvg="http://schemas.microsoft.com/office/drawing/2016/SVG/main" r:embed="rId3"/>
-                </a:ext>
-              </a:extLst>
-            </a:blip>
-            <a:stretch>
-              <a:fillRect/>
-            </a:stretch>
-          </p:blipFill>
-          <p:spPr>
-            <a:xfrm>
-              <a:off x="2862623" y="5105391"/>
-              <a:ext cx="800817" cy="800817"/>
-            </a:xfrm>
-            <a:prstGeom prst="rect">
-              <a:avLst/>
-            </a:prstGeom>
-          </p:spPr>
-        </p:pic>
-        <p:pic>
-          <p:nvPicPr>
-            <p:cNvPr id="18" name="Graphic 17" descr="Board Of Directors with solid fill">
-              <a:extLst>
-                <a:ext uri="{FF2B5EF4-FFF2-40B4-BE49-F238E27FC236}">
-                  <a16:creationId xmlns:a16="http://schemas.microsoft.com/office/drawing/2014/main" id="{FDACD1C1-90DA-7D1D-B012-6A3108F514D4}"/>
-                </a:ext>
-              </a:extLst>
-            </p:cNvPr>
-            <p:cNvPicPr>
-              <a:picLocks noChangeAspect="1"/>
-            </p:cNvPicPr>
-            <p:nvPr/>
-          </p:nvPicPr>
-          <p:blipFill>
-            <a:blip r:embed="rId4">
-              <a:extLst>
-                <a:ext uri="{96DAC541-7B7A-43D3-8B79-37D633B846F1}">
-                  <asvg:svgBlip xmlns:asvg="http://schemas.microsoft.com/office/drawing/2016/SVG/main" r:embed="rId5"/>
-                </a:ext>
-              </a:extLst>
-            </a:blip>
-            <a:stretch>
-              <a:fillRect/>
-            </a:stretch>
-          </p:blipFill>
-          <p:spPr>
-            <a:xfrm>
-              <a:off x="4488980" y="2503405"/>
-              <a:ext cx="678382" cy="678382"/>
-            </a:xfrm>
-            <a:prstGeom prst="rect">
-              <a:avLst/>
-            </a:prstGeom>
-          </p:spPr>
-        </p:pic>
-        <p:pic>
-          <p:nvPicPr>
-            <p:cNvPr id="29" name="Graphic 28" descr="Desk with solid fill">
-              <a:extLst>
-                <a:ext uri="{FF2B5EF4-FFF2-40B4-BE49-F238E27FC236}">
-                  <a16:creationId xmlns:a16="http://schemas.microsoft.com/office/drawing/2014/main" id="{F4E37B16-74B8-7452-9DDA-558F3C371BA4}"/>
-                </a:ext>
-              </a:extLst>
-            </p:cNvPr>
-            <p:cNvPicPr>
-              <a:picLocks noChangeAspect="1"/>
-            </p:cNvPicPr>
-            <p:nvPr/>
-          </p:nvPicPr>
-          <p:blipFill>
-            <a:blip r:embed="rId6">
-              <a:extLst>
-                <a:ext uri="{96DAC541-7B7A-43D3-8B79-37D633B846F1}">
-                  <asvg:svgBlip xmlns:asvg="http://schemas.microsoft.com/office/drawing/2016/SVG/main" r:embed="rId7"/>
-                </a:ext>
-              </a:extLst>
-            </a:blip>
-            <a:stretch>
-              <a:fillRect/>
-            </a:stretch>
-          </p:blipFill>
-          <p:spPr>
-            <a:xfrm>
-              <a:off x="3690938" y="3833860"/>
-              <a:ext cx="719195" cy="719195"/>
-            </a:xfrm>
-            <a:prstGeom prst="rect">
-              <a:avLst/>
-            </a:prstGeom>
-          </p:spPr>
-        </p:pic>
-        <p:pic>
-          <p:nvPicPr>
-            <p:cNvPr id="31" name="Graphic 30" descr="Group with solid fill">
-              <a:extLst>
-                <a:ext uri="{FF2B5EF4-FFF2-40B4-BE49-F238E27FC236}">
-                  <a16:creationId xmlns:a16="http://schemas.microsoft.com/office/drawing/2014/main" id="{8694F882-475A-BB84-6F3F-6A4A7EA03228}"/>
-                </a:ext>
-              </a:extLst>
-            </p:cNvPr>
-            <p:cNvPicPr>
-              <a:picLocks noChangeAspect="1"/>
-            </p:cNvPicPr>
-            <p:nvPr/>
-          </p:nvPicPr>
-          <p:blipFill>
-            <a:blip r:embed="rId8">
-              <a:extLst>
-                <a:ext uri="{96DAC541-7B7A-43D3-8B79-37D633B846F1}">
-                  <asvg:svgBlip xmlns:asvg="http://schemas.microsoft.com/office/drawing/2016/SVG/main" r:embed="rId9"/>
-                </a:ext>
-              </a:extLst>
-            </a:blip>
-            <a:stretch>
-              <a:fillRect/>
-            </a:stretch>
-          </p:blipFill>
-          <p:spPr>
-            <a:xfrm>
-              <a:off x="4379527" y="5020811"/>
-              <a:ext cx="890811" cy="890811"/>
-            </a:xfrm>
-            <a:prstGeom prst="rect">
-              <a:avLst/>
-            </a:prstGeom>
-          </p:spPr>
-        </p:pic>
-        <p:pic>
-          <p:nvPicPr>
-            <p:cNvPr id="33" name="Graphic 32" descr="Boardroom with solid fill">
-              <a:extLst>
-                <a:ext uri="{FF2B5EF4-FFF2-40B4-BE49-F238E27FC236}">
-                  <a16:creationId xmlns:a16="http://schemas.microsoft.com/office/drawing/2014/main" id="{07076934-7964-C262-E0F1-8F83EBD83287}"/>
-                </a:ext>
-              </a:extLst>
-            </p:cNvPr>
-            <p:cNvPicPr>
-              <a:picLocks noChangeAspect="1"/>
-            </p:cNvPicPr>
-            <p:nvPr/>
-          </p:nvPicPr>
-          <p:blipFill>
-            <a:blip r:embed="rId10">
-              <a:extLst>
-                <a:ext uri="{96DAC541-7B7A-43D3-8B79-37D633B846F1}">
-                  <asvg:svgBlip xmlns:asvg="http://schemas.microsoft.com/office/drawing/2016/SVG/main" r:embed="rId11"/>
-                </a:ext>
-              </a:extLst>
-            </a:blip>
-            <a:stretch>
-              <a:fillRect/>
-            </a:stretch>
-          </p:blipFill>
-          <p:spPr>
-            <a:xfrm>
-              <a:off x="5345355" y="3833859"/>
-              <a:ext cx="719195" cy="719195"/>
-            </a:xfrm>
-            <a:prstGeom prst="rect">
-              <a:avLst/>
-            </a:prstGeom>
-          </p:spPr>
-        </p:pic>
-        <p:pic>
-          <p:nvPicPr>
-            <p:cNvPr id="35" name="Graphic 34" descr="Group brainstorm with solid fill">
-              <a:extLst>
-                <a:ext uri="{FF2B5EF4-FFF2-40B4-BE49-F238E27FC236}">
-                  <a16:creationId xmlns:a16="http://schemas.microsoft.com/office/drawing/2014/main" id="{7F45CDAD-6B3F-4EC7-7C0B-78101DF8A567}"/>
-                </a:ext>
-              </a:extLst>
-            </p:cNvPr>
-            <p:cNvPicPr>
-              <a:picLocks noChangeAspect="1"/>
-            </p:cNvPicPr>
-            <p:nvPr/>
-          </p:nvPicPr>
-          <p:blipFill>
-            <a:blip r:embed="rId12">
-              <a:extLst>
-                <a:ext uri="{96DAC541-7B7A-43D3-8B79-37D633B846F1}">
-                  <asvg:svgBlip xmlns:asvg="http://schemas.microsoft.com/office/drawing/2016/SVG/main" r:embed="rId13"/>
-                </a:ext>
-              </a:extLst>
-            </a:blip>
-            <a:stretch>
-              <a:fillRect/>
-            </a:stretch>
-          </p:blipFill>
-          <p:spPr>
-            <a:xfrm>
-              <a:off x="5942073" y="5128913"/>
-              <a:ext cx="721653" cy="721653"/>
-            </a:xfrm>
-            <a:prstGeom prst="rect">
-              <a:avLst/>
-            </a:prstGeom>
-          </p:spPr>
-        </p:pic>
-      </p:grpSp>
-      <p:sp>
-        <p:nvSpPr>
-          <p:cNvPr id="36" name="TextBox 35">
-            <a:extLst>
-              <a:ext uri="{FF2B5EF4-FFF2-40B4-BE49-F238E27FC236}">
-                <a16:creationId xmlns:a16="http://schemas.microsoft.com/office/drawing/2014/main" id="{1A91D2C7-447B-28E1-3000-7A69EA4BF555}"/>
-              </a:ext>
-            </a:extLst>
-          </p:cNvPr>
-          <p:cNvSpPr txBox="1"/>
-          <p:nvPr/>
-        </p:nvSpPr>
-        <p:spPr>
-          <a:xfrm>
-            <a:off x="9251376" y="5157281"/>
-            <a:ext cx="2814040" cy="707886"/>
-          </a:xfrm>
-          <a:prstGeom prst="rect">
-            <a:avLst/>
-          </a:prstGeom>
-          <a:solidFill>
-            <a:schemeClr val="bg1">
-              <a:alpha val="87000"/>
-            </a:schemeClr>
-          </a:solidFill>
-        </p:spPr>
-        <p:txBody>
-          <a:bodyPr wrap="square">
-            <a:spAutoFit/>
-          </a:bodyPr>
-          <a:lstStyle/>
-          <a:p>
-            <a:pPr marL="0" marR="0" lvl="0" indent="0" algn="l" defTabSz="914400" rtl="0" eaLnBrk="1" fontAlgn="auto" latinLnBrk="0" hangingPunct="1">
-              <a:lnSpc>
-                <a:spcPct val="100000"/>
-              </a:lnSpc>
-              <a:spcBef>
-                <a:spcPts val="0"/>
-              </a:spcBef>
-              <a:spcAft>
-                <a:spcPts val="0"/>
-              </a:spcAft>
-              <a:buClrTx/>
-              <a:buSzTx/>
-              <a:buFontTx/>
-              <a:buNone/>
-              <a:tabLst/>
-              <a:defRPr/>
-            </a:pPr>
-            <a:r>
-              <a:rPr lang="en-US" sz="2000" dirty="0">
-                <a:latin typeface="Segoe UI"/>
-                <a:cs typeface="Segoe UI" pitchFamily="34" charset="0"/>
-              </a:rPr>
-              <a:t>Operational reports</a:t>
-            </a:r>
-          </a:p>
-          <a:p>
-            <a:pPr marL="0" marR="0" lvl="0" indent="0" algn="l" defTabSz="914400" rtl="0" eaLnBrk="1" fontAlgn="auto" latinLnBrk="0" hangingPunct="1">
-              <a:lnSpc>
-                <a:spcPct val="100000"/>
-              </a:lnSpc>
-              <a:spcBef>
-                <a:spcPts val="0"/>
-              </a:spcBef>
-              <a:spcAft>
-                <a:spcPts val="0"/>
-              </a:spcAft>
-              <a:buClrTx/>
-              <a:buSzTx/>
-              <a:buFontTx/>
-              <a:buNone/>
-              <a:tabLst/>
-              <a:defRPr/>
-            </a:pPr>
-            <a:r>
-              <a:rPr lang="en-US" sz="2000" dirty="0">
-                <a:latin typeface="Segoe UI"/>
-                <a:cs typeface="Segoe UI" pitchFamily="34" charset="0"/>
-              </a:rPr>
-              <a:t>On-screen task data</a:t>
-            </a:r>
-          </a:p>
-        </p:txBody>
-      </p:sp>
-      <p:sp>
-        <p:nvSpPr>
-          <p:cNvPr id="37" name="TextBox 36">
-            <a:extLst>
-              <a:ext uri="{FF2B5EF4-FFF2-40B4-BE49-F238E27FC236}">
-                <a16:creationId xmlns:a16="http://schemas.microsoft.com/office/drawing/2014/main" id="{6A204B1B-87A6-76DB-285C-D219163CE586}"/>
-              </a:ext>
-            </a:extLst>
-          </p:cNvPr>
-          <p:cNvSpPr txBox="1"/>
-          <p:nvPr/>
-        </p:nvSpPr>
-        <p:spPr>
-          <a:xfrm>
-            <a:off x="9229640" y="3892080"/>
-            <a:ext cx="2776325" cy="707886"/>
-          </a:xfrm>
-          <a:prstGeom prst="rect">
-            <a:avLst/>
-          </a:prstGeom>
-          <a:solidFill>
-            <a:schemeClr val="bg1">
-              <a:alpha val="87000"/>
-            </a:schemeClr>
-          </a:solidFill>
-        </p:spPr>
-        <p:txBody>
-          <a:bodyPr wrap="square" lIns="91440" tIns="45720" rIns="91440" bIns="45720" anchor="t">
-            <a:spAutoFit/>
-          </a:bodyPr>
-          <a:lstStyle/>
-          <a:p>
-            <a:pPr marL="0" marR="0" lvl="0" indent="0" algn="l" defTabSz="914400" rtl="0" eaLnBrk="1" fontAlgn="auto" latinLnBrk="0" hangingPunct="1">
-              <a:lnSpc>
-                <a:spcPct val="100000"/>
-              </a:lnSpc>
-              <a:spcBef>
-                <a:spcPts val="0"/>
-              </a:spcBef>
-              <a:spcAft>
-                <a:spcPts val="0"/>
-              </a:spcAft>
-              <a:buClrTx/>
-              <a:buSzTx/>
-              <a:buFontTx/>
-              <a:buNone/>
-              <a:tabLst/>
-              <a:defRPr/>
-            </a:pPr>
-            <a:r>
-              <a:rPr lang="en-US" sz="2000" dirty="0">
-                <a:latin typeface="Segoe UI"/>
-                <a:cs typeface="Segoe UI" pitchFamily="34" charset="0"/>
-              </a:rPr>
-              <a:t>Managerial reports</a:t>
-            </a:r>
-          </a:p>
-          <a:p>
-            <a:pPr marL="0" marR="0" lvl="0" indent="0" algn="l" defTabSz="914400" rtl="0" eaLnBrk="1" fontAlgn="auto" latinLnBrk="0" hangingPunct="1">
-              <a:lnSpc>
-                <a:spcPct val="100000"/>
-              </a:lnSpc>
-              <a:spcBef>
-                <a:spcPts val="0"/>
-              </a:spcBef>
-              <a:spcAft>
-                <a:spcPts val="0"/>
-              </a:spcAft>
-              <a:buClrTx/>
-              <a:buSzTx/>
-              <a:buFontTx/>
-              <a:buNone/>
-              <a:tabLst/>
-              <a:defRPr/>
-            </a:pPr>
-            <a:r>
-              <a:rPr lang="en-US" sz="2000" dirty="0">
-                <a:latin typeface="Segoe UI"/>
-                <a:cs typeface="Segoe UI" pitchFamily="34" charset="0"/>
-              </a:rPr>
-              <a:t>Ad-hoc analysis</a:t>
-            </a:r>
-          </a:p>
-        </p:txBody>
-      </p:sp>
-      <p:sp>
-        <p:nvSpPr>
-          <p:cNvPr id="38" name="TextBox 37">
-            <a:extLst>
-              <a:ext uri="{FF2B5EF4-FFF2-40B4-BE49-F238E27FC236}">
-                <a16:creationId xmlns:a16="http://schemas.microsoft.com/office/drawing/2014/main" id="{D0FD0E4D-894D-D18E-9272-D62F57E7B563}"/>
-              </a:ext>
-            </a:extLst>
-          </p:cNvPr>
-          <p:cNvSpPr txBox="1"/>
-          <p:nvPr/>
-        </p:nvSpPr>
-        <p:spPr>
-          <a:xfrm>
-            <a:off x="9251376" y="2153081"/>
-            <a:ext cx="2754589" cy="1015663"/>
-          </a:xfrm>
-          <a:prstGeom prst="rect">
-            <a:avLst/>
-          </a:prstGeom>
-          <a:solidFill>
-            <a:schemeClr val="bg1">
-              <a:alpha val="87000"/>
-            </a:schemeClr>
-          </a:solidFill>
-        </p:spPr>
-        <p:txBody>
-          <a:bodyPr wrap="square">
-            <a:spAutoFit/>
-          </a:bodyPr>
-          <a:lstStyle>
-            <a:defPPr>
-              <a:defRPr lang="en-DK"/>
-            </a:defPPr>
-            <a:lvl1pPr marR="0" lvl="0" indent="0" fontAlgn="auto">
-              <a:lnSpc>
-                <a:spcPct val="100000"/>
-              </a:lnSpc>
-              <a:spcBef>
-                <a:spcPts val="0"/>
-              </a:spcBef>
-              <a:spcAft>
-                <a:spcPts val="0"/>
-              </a:spcAft>
-              <a:buClrTx/>
-              <a:buSzTx/>
-              <a:buFontTx/>
-              <a:buNone/>
-              <a:tabLst/>
-              <a:defRPr sz="2800" b="1">
-                <a:solidFill>
-                  <a:schemeClr val="accent5">
-                    <a:lumMod val="75000"/>
-                  </a:schemeClr>
-                </a:solidFill>
-                <a:latin typeface="Calibri" panose="020F0502020204030204" pitchFamily="34" charset="0"/>
-                <a:cs typeface="Arial" panose="020B0604020202020204" pitchFamily="34" charset="0"/>
-              </a:defRPr>
-            </a:lvl1pPr>
-          </a:lstStyle>
-          <a:p>
-            <a:pPr marL="0" marR="0" lvl="0" indent="0" algn="l" defTabSz="914400" rtl="0" eaLnBrk="1" fontAlgn="auto" latinLnBrk="0" hangingPunct="1">
-              <a:lnSpc>
-                <a:spcPct val="100000"/>
-              </a:lnSpc>
-              <a:spcBef>
-                <a:spcPts val="0"/>
-              </a:spcBef>
-              <a:spcAft>
-                <a:spcPts val="0"/>
-              </a:spcAft>
-              <a:buClrTx/>
-              <a:buSzTx/>
-              <a:buFontTx/>
-              <a:buNone/>
-              <a:tabLst/>
-              <a:defRPr/>
-            </a:pPr>
-            <a:r>
-              <a:rPr lang="en-US" sz="2000" b="0" dirty="0">
-                <a:solidFill>
-                  <a:schemeClr val="tx1"/>
-                </a:solidFill>
-                <a:latin typeface="Segoe UI"/>
-                <a:cs typeface="Segoe UI" pitchFamily="34" charset="0"/>
-              </a:rPr>
-              <a:t>KPIs</a:t>
-            </a:r>
-          </a:p>
-          <a:p>
-            <a:pPr marL="0" marR="0" lvl="0" indent="0" algn="l" defTabSz="914400" rtl="0" eaLnBrk="1" fontAlgn="auto" latinLnBrk="0" hangingPunct="1">
-              <a:lnSpc>
-                <a:spcPct val="100000"/>
-              </a:lnSpc>
-              <a:spcBef>
-                <a:spcPts val="0"/>
-              </a:spcBef>
-              <a:spcAft>
-                <a:spcPts val="0"/>
-              </a:spcAft>
-              <a:buClrTx/>
-              <a:buSzTx/>
-              <a:buFontTx/>
-              <a:buNone/>
-              <a:tabLst/>
-              <a:defRPr/>
-            </a:pPr>
-            <a:r>
-              <a:rPr lang="en-US" sz="2000" b="0" dirty="0">
-                <a:solidFill>
-                  <a:schemeClr val="tx1"/>
-                </a:solidFill>
-                <a:latin typeface="Segoe UI"/>
-                <a:cs typeface="Segoe UI" pitchFamily="34" charset="0"/>
-              </a:rPr>
-              <a:t>Dashboards</a:t>
-            </a:r>
-          </a:p>
-          <a:p>
-            <a:pPr marL="0" marR="0" lvl="0" indent="0" algn="l" defTabSz="914400" rtl="0" eaLnBrk="1" fontAlgn="auto" latinLnBrk="0" hangingPunct="1">
-              <a:lnSpc>
-                <a:spcPct val="100000"/>
-              </a:lnSpc>
-              <a:spcBef>
-                <a:spcPts val="0"/>
-              </a:spcBef>
-              <a:spcAft>
-                <a:spcPts val="0"/>
-              </a:spcAft>
-              <a:buClrTx/>
-              <a:buSzTx/>
-              <a:buFontTx/>
-              <a:buNone/>
-              <a:tabLst/>
-              <a:defRPr/>
-            </a:pPr>
-            <a:r>
-              <a:rPr lang="en-US" sz="2000" b="0" dirty="0">
-                <a:solidFill>
-                  <a:schemeClr val="tx1"/>
-                </a:solidFill>
-                <a:latin typeface="Segoe UI"/>
-                <a:cs typeface="Segoe UI" pitchFamily="34" charset="0"/>
-              </a:rPr>
-              <a:t>Financial reports</a:t>
-            </a:r>
-          </a:p>
-        </p:txBody>
-      </p:sp>
       <p:pic>
         <p:nvPicPr>
           <p:cNvPr id="4" name="Picture 3" descr="A blue circle with white dots&#10;&#10;Description automatically generated">

--- a/media-source/analytics-personas-scenarios-tools.pptx
+++ b/media-source/analytics-personas-scenarios-tools.pptx
@@ -7,7 +7,7 @@
   <p:sldIdLst>
     <p:sldId id="2147480899" r:id="rId2"/>
     <p:sldId id="2147480900" r:id="rId3"/>
-    <p:sldId id="2147480901" r:id="rId4"/>
+    <p:sldId id="2147480902" r:id="rId4"/>
   </p:sldIdLst>
   <p:sldSz cx="12192000" cy="6858000"/>
   <p:notesSz cx="6858000" cy="9144000"/>
@@ -11416,8 +11416,8 @@
         </p:nvSpPr>
         <p:spPr>
           <a:xfrm>
-            <a:off x="9018576" y="1228093"/>
-            <a:ext cx="3115430" cy="707886"/>
+            <a:off x="9167789" y="1228093"/>
+            <a:ext cx="2754588" cy="707886"/>
           </a:xfrm>
           <a:prstGeom prst="rect">
             <a:avLst/>
@@ -11552,7 +11552,7 @@
                 <a:ea typeface="Calibri" panose="020F0502020204030204" pitchFamily="34" charset="0"/>
                 <a:cs typeface="Arial" panose="020B0604020202020204" pitchFamily="34" charset="0"/>
               </a:rPr>
-              <a:t>Typical ways to consume data (and tools to support it)</a:t>
+              <a:t>Typical ways to consume data</a:t>
             </a:r>
             <a:endParaRPr lang="en-DK" sz="1800" b="1" dirty="0">
               <a:solidFill>
@@ -13022,7 +13022,7 @@
           <p:cNvPr id="4" name="Picture 3" descr="A blue circle with white dots&#10;&#10;Description automatically generated">
             <a:extLst>
               <a:ext uri="{FF2B5EF4-FFF2-40B4-BE49-F238E27FC236}">
-                <a16:creationId xmlns:a16="http://schemas.microsoft.com/office/drawing/2014/main" id="{C93CF6ED-9FBB-0FB4-4BC9-0CA53FB2CCCD}"/>
+                <a16:creationId xmlns:a16="http://schemas.microsoft.com/office/drawing/2014/main" id="{3F222A07-E98F-4F21-7E34-B934A39E28AC}"/>
               </a:ext>
             </a:extLst>
           </p:cNvPr>
@@ -13057,7 +13057,7 @@
           <p:cNvPr id="6" name="Picture 5" descr="A green square with white x on it&#10;&#10;Description automatically generated">
             <a:extLst>
               <a:ext uri="{FF2B5EF4-FFF2-40B4-BE49-F238E27FC236}">
-                <a16:creationId xmlns:a16="http://schemas.microsoft.com/office/drawing/2014/main" id="{9FC0A777-E10E-A161-B5AA-ABAD9D099271}"/>
+                <a16:creationId xmlns:a16="http://schemas.microsoft.com/office/drawing/2014/main" id="{4083A2C4-4B12-AFF5-9F14-61CA9ECFB506}"/>
               </a:ext>
             </a:extLst>
           </p:cNvPr>
@@ -13102,7 +13102,7 @@
           <p:cNvPr id="7" name="Graphic 48">
             <a:extLst>
               <a:ext uri="{FF2B5EF4-FFF2-40B4-BE49-F238E27FC236}">
-                <a16:creationId xmlns:a16="http://schemas.microsoft.com/office/drawing/2014/main" id="{120AC33D-2BF5-1FB5-0D8F-5C444F50642D}"/>
+                <a16:creationId xmlns:a16="http://schemas.microsoft.com/office/drawing/2014/main" id="{7A3280D8-73A8-3AB0-BC6A-1F654F461003}"/>
               </a:ext>
             </a:extLst>
           </p:cNvPr>
@@ -13135,7 +13135,7 @@
     </p:spTree>
     <p:extLst>
       <p:ext uri="{BB962C8B-B14F-4D97-AF65-F5344CB8AC3E}">
-        <p14:creationId xmlns:p14="http://schemas.microsoft.com/office/powerpoint/2010/main" val="1303171417"/>
+        <p14:creationId xmlns:p14="http://schemas.microsoft.com/office/powerpoint/2010/main" val="2168467165"/>
       </p:ext>
     </p:extLst>
   </p:cSld>
